--- a/docs/infra.pptx
+++ b/docs/infra.pptx
@@ -5,8 +5,8 @@
     <p:sldMasterId id="2147483648" r:id="rId1"/>
   </p:sldMasterIdLst>
   <p:sldIdLst>
-    <p:sldId id="257" r:id="rId2"/>
-    <p:sldId id="256" r:id="rId3"/>
+    <p:sldId id="256" r:id="rId2"/>
+    <p:sldId id="259" r:id="rId3"/>
     <p:sldId id="258" r:id="rId4"/>
   </p:sldIdLst>
   <p:sldSz cx="12192000" cy="6858000"/>
@@ -106,6 +106,11 @@
       </a:defRPr>
     </a:lvl9pPr>
   </p:defaultTextStyle>
+  <p:extLst>
+    <p:ext uri="{EFAFB233-063F-42B5-8137-9DF3F51BA10A}">
+      <p15:sldGuideLst xmlns:p15="http://schemas.microsoft.com/office/powerpoint/2012/main"/>
+    </p:ext>
+  </p:extLst>
 </p:presentation>
 </file>
 
@@ -115,6 +120,13 @@
     <p:extLst>
       <p:ext uri="{19B8F6BF-5375-455C-9EA6-DF929625EA0E}">
         <p15:presenceInfo xmlns:p15="http://schemas.microsoft.com/office/powerpoint/2012/main" userId="bff299afb0dff65a" providerId="Windows Live"/>
+      </p:ext>
+    </p:extLst>
+  </p:cmAuthor>
+  <p:cmAuthor id="2" name="doan vanduc(ドアン バンドゥック ＴＳＴ □ＳＹ５○Ｓ開)" initials="dvバＴ□" lastIdx="1" clrIdx="1">
+    <p:extLst>
+      <p:ext uri="{19B8F6BF-5375-455C-9EA6-DF929625EA0E}">
+        <p15:presenceInfo xmlns:p15="http://schemas.microsoft.com/office/powerpoint/2012/main" userId="S::vanduc1.doan@glb.toshiba.co.jp::61a586b9-a355-4747-9391-64173a7d4dad" providerId="AD"/>
       </p:ext>
     </p:extLst>
   </p:cmAuthor>
@@ -311,7 +323,7 @@
           <a:p>
             <a:fld id="{DA6D5E33-2695-47EE-B8DC-C99F4C2CA62B}" type="datetimeFigureOut">
               <a:rPr kumimoji="1" lang="ja-JP" altLang="en-US" smtClean="0"/>
-              <a:t>2023/11/24</a:t>
+              <a:t>2023/11/27</a:t>
             </a:fld>
             <a:endParaRPr kumimoji="1" lang="ja-JP" altLang="en-US"/>
           </a:p>
@@ -511,7 +523,7 @@
           <a:p>
             <a:fld id="{DA6D5E33-2695-47EE-B8DC-C99F4C2CA62B}" type="datetimeFigureOut">
               <a:rPr kumimoji="1" lang="ja-JP" altLang="en-US" smtClean="0"/>
-              <a:t>2023/11/24</a:t>
+              <a:t>2023/11/27</a:t>
             </a:fld>
             <a:endParaRPr kumimoji="1" lang="ja-JP" altLang="en-US"/>
           </a:p>
@@ -721,7 +733,7 @@
           <a:p>
             <a:fld id="{DA6D5E33-2695-47EE-B8DC-C99F4C2CA62B}" type="datetimeFigureOut">
               <a:rPr kumimoji="1" lang="ja-JP" altLang="en-US" smtClean="0"/>
-              <a:t>2023/11/24</a:t>
+              <a:t>2023/11/27</a:t>
             </a:fld>
             <a:endParaRPr kumimoji="1" lang="ja-JP" altLang="en-US"/>
           </a:p>
@@ -921,7 +933,7 @@
           <a:p>
             <a:fld id="{DA6D5E33-2695-47EE-B8DC-C99F4C2CA62B}" type="datetimeFigureOut">
               <a:rPr kumimoji="1" lang="ja-JP" altLang="en-US" smtClean="0"/>
-              <a:t>2023/11/24</a:t>
+              <a:t>2023/11/27</a:t>
             </a:fld>
             <a:endParaRPr kumimoji="1" lang="ja-JP" altLang="en-US"/>
           </a:p>
@@ -1197,7 +1209,7 @@
           <a:p>
             <a:fld id="{DA6D5E33-2695-47EE-B8DC-C99F4C2CA62B}" type="datetimeFigureOut">
               <a:rPr kumimoji="1" lang="ja-JP" altLang="en-US" smtClean="0"/>
-              <a:t>2023/11/24</a:t>
+              <a:t>2023/11/27</a:t>
             </a:fld>
             <a:endParaRPr kumimoji="1" lang="ja-JP" altLang="en-US"/>
           </a:p>
@@ -1465,7 +1477,7 @@
           <a:p>
             <a:fld id="{DA6D5E33-2695-47EE-B8DC-C99F4C2CA62B}" type="datetimeFigureOut">
               <a:rPr kumimoji="1" lang="ja-JP" altLang="en-US" smtClean="0"/>
-              <a:t>2023/11/24</a:t>
+              <a:t>2023/11/27</a:t>
             </a:fld>
             <a:endParaRPr kumimoji="1" lang="ja-JP" altLang="en-US"/>
           </a:p>
@@ -1880,7 +1892,7 @@
           <a:p>
             <a:fld id="{DA6D5E33-2695-47EE-B8DC-C99F4C2CA62B}" type="datetimeFigureOut">
               <a:rPr kumimoji="1" lang="ja-JP" altLang="en-US" smtClean="0"/>
-              <a:t>2023/11/24</a:t>
+              <a:t>2023/11/27</a:t>
             </a:fld>
             <a:endParaRPr kumimoji="1" lang="ja-JP" altLang="en-US"/>
           </a:p>
@@ -2022,7 +2034,7 @@
           <a:p>
             <a:fld id="{DA6D5E33-2695-47EE-B8DC-C99F4C2CA62B}" type="datetimeFigureOut">
               <a:rPr kumimoji="1" lang="ja-JP" altLang="en-US" smtClean="0"/>
-              <a:t>2023/11/24</a:t>
+              <a:t>2023/11/27</a:t>
             </a:fld>
             <a:endParaRPr kumimoji="1" lang="ja-JP" altLang="en-US"/>
           </a:p>
@@ -2135,7 +2147,7 @@
           <a:p>
             <a:fld id="{DA6D5E33-2695-47EE-B8DC-C99F4C2CA62B}" type="datetimeFigureOut">
               <a:rPr kumimoji="1" lang="ja-JP" altLang="en-US" smtClean="0"/>
-              <a:t>2023/11/24</a:t>
+              <a:t>2023/11/27</a:t>
             </a:fld>
             <a:endParaRPr kumimoji="1" lang="ja-JP" altLang="en-US"/>
           </a:p>
@@ -2448,7 +2460,7 @@
           <a:p>
             <a:fld id="{DA6D5E33-2695-47EE-B8DC-C99F4C2CA62B}" type="datetimeFigureOut">
               <a:rPr kumimoji="1" lang="ja-JP" altLang="en-US" smtClean="0"/>
-              <a:t>2023/11/24</a:t>
+              <a:t>2023/11/27</a:t>
             </a:fld>
             <a:endParaRPr kumimoji="1" lang="ja-JP" altLang="en-US"/>
           </a:p>
@@ -2737,7 +2749,7 @@
           <a:p>
             <a:fld id="{DA6D5E33-2695-47EE-B8DC-C99F4C2CA62B}" type="datetimeFigureOut">
               <a:rPr kumimoji="1" lang="ja-JP" altLang="en-US" smtClean="0"/>
-              <a:t>2023/11/24</a:t>
+              <a:t>2023/11/27</a:t>
             </a:fld>
             <a:endParaRPr kumimoji="1" lang="ja-JP" altLang="en-US"/>
           </a:p>
@@ -2980,7 +2992,7 @@
           <a:p>
             <a:fld id="{DA6D5E33-2695-47EE-B8DC-C99F4C2CA62B}" type="datetimeFigureOut">
               <a:rPr kumimoji="1" lang="ja-JP" altLang="en-US" smtClean="0"/>
-              <a:t>2023/11/24</a:t>
+              <a:t>2023/11/27</a:t>
             </a:fld>
             <a:endParaRPr kumimoji="1" lang="ja-JP" altLang="en-US"/>
           </a:p>
@@ -3903,7 +3915,7 @@
         </p:nvSpPr>
         <p:spPr>
           <a:xfrm>
-            <a:off x="5773206" y="3883631"/>
+            <a:off x="5778499" y="4654424"/>
             <a:ext cx="1667934" cy="1041400"/>
           </a:xfrm>
           <a:prstGeom prst="rect">
@@ -3963,7 +3975,7 @@
         </p:blipFill>
         <p:spPr bwMode="auto">
           <a:xfrm>
-            <a:off x="6271451" y="4236470"/>
+            <a:off x="6276744" y="5007263"/>
             <a:ext cx="671444" cy="335722"/>
           </a:xfrm>
           <a:prstGeom prst="rect">
@@ -3995,8 +4007,8 @@
         </p:nvSpPr>
         <p:spPr>
           <a:xfrm>
-            <a:off x="5773206" y="3887446"/>
-            <a:ext cx="1827744" cy="261610"/>
+            <a:off x="5778499" y="4658239"/>
+            <a:ext cx="1675459" cy="246221"/>
           </a:xfrm>
           <a:prstGeom prst="rect">
             <a:avLst/>
@@ -4010,14 +4022,14 @@
           <a:lstStyle/>
           <a:p>
             <a:r>
-              <a:rPr lang="en-US" altLang="ja-JP" sz="1050" dirty="0"/>
+              <a:rPr lang="en-US" altLang="ja-JP" sz="1000" dirty="0"/>
               <a:t>host.docker.internal</a:t>
             </a:r>
             <a:r>
-              <a:rPr kumimoji="1" lang="en-US" altLang="ja-JP" sz="1050" dirty="0"/>
+              <a:rPr kumimoji="1" lang="en-US" altLang="ja-JP" sz="1000" dirty="0"/>
               <a:t>:3001</a:t>
             </a:r>
-            <a:endParaRPr kumimoji="1" lang="ja-JP" altLang="en-US" sz="1050" dirty="0"/>
+            <a:endParaRPr kumimoji="1" lang="ja-JP" altLang="en-US" sz="1000" dirty="0"/>
           </a:p>
         </p:txBody>
       </p:sp>
@@ -4083,8 +4095,8 @@
         </p:nvSpPr>
         <p:spPr>
           <a:xfrm>
-            <a:off x="2467638" y="2186576"/>
-            <a:ext cx="3305568" cy="253916"/>
+            <a:off x="7490673" y="2055883"/>
+            <a:ext cx="1877441" cy="400110"/>
           </a:xfrm>
           <a:prstGeom prst="rect">
             <a:avLst/>
@@ -4098,16 +4110,18 @@
           <a:lstStyle/>
           <a:p>
             <a:r>
-              <a:rPr kumimoji="1" lang="en-US" altLang="ja-JP" sz="1000" dirty="0" err="1"/>
-              <a:t>Hasura</a:t>
-            </a:r>
-            <a:r>
               <a:rPr kumimoji="1" lang="en-US" altLang="ja-JP" sz="1000" dirty="0"/>
-              <a:t> buil</a:t>
+              <a:t>Buil</a:t>
             </a:r>
             <a:r>
               <a:rPr lang="en-US" altLang="ja-JP" sz="1000" dirty="0"/>
-              <a:t>t-in queries, mutations,.. </a:t>
+              <a:t>t-in queries, mutations,..</a:t>
+            </a:r>
+          </a:p>
+          <a:p>
+            <a:r>
+              <a:rPr lang="en-US" altLang="ja-JP" sz="1000" dirty="0"/>
+              <a:t> </a:t>
             </a:r>
             <a:r>
               <a:rPr kumimoji="1" lang="en-US" altLang="ja-JP" sz="1000" dirty="0"/>
@@ -4162,99 +4176,6 @@
           </a:fontRef>
         </p:style>
       </p:cxnSp>
-      <p:cxnSp>
-        <p:nvCxnSpPr>
-          <p:cNvPr id="28" name="Connector: Elbow 27">
-            <a:extLst>
-              <a:ext uri="{FF2B5EF4-FFF2-40B4-BE49-F238E27FC236}">
-                <a16:creationId xmlns:a16="http://schemas.microsoft.com/office/drawing/2014/main" id="{B5417FE1-A196-DA90-DF8B-FD65393D7017}"/>
-              </a:ext>
-            </a:extLst>
-          </p:cNvPr>
-          <p:cNvCxnSpPr>
-            <a:cxnSpLocks/>
-            <a:stCxn id="4" idx="3"/>
-            <a:endCxn id="1053" idx="1"/>
-          </p:cNvCxnSpPr>
-          <p:nvPr/>
-        </p:nvCxnSpPr>
-        <p:spPr>
-          <a:xfrm>
-            <a:off x="2226734" y="3362931"/>
-            <a:ext cx="1757325" cy="1052320"/>
-          </a:xfrm>
-          <a:prstGeom prst="bentConnector3">
-            <a:avLst>
-              <a:gd name="adj1" fmla="val 20129"/>
-            </a:avLst>
-          </a:prstGeom>
-          <a:ln w="19050">
-            <a:solidFill>
-              <a:srgbClr val="F117C2"/>
-            </a:solidFill>
-            <a:tailEnd type="triangle"/>
-          </a:ln>
-        </p:spPr>
-        <p:style>
-          <a:lnRef idx="1">
-            <a:schemeClr val="accent1"/>
-          </a:lnRef>
-          <a:fillRef idx="0">
-            <a:schemeClr val="accent1"/>
-          </a:fillRef>
-          <a:effectRef idx="0">
-            <a:schemeClr val="accent1"/>
-          </a:effectRef>
-          <a:fontRef idx="minor">
-            <a:schemeClr val="tx1"/>
-          </a:fontRef>
-        </p:style>
-      </p:cxnSp>
-      <p:cxnSp>
-        <p:nvCxnSpPr>
-          <p:cNvPr id="1029" name="Connector: Elbow 1028">
-            <a:extLst>
-              <a:ext uri="{FF2B5EF4-FFF2-40B4-BE49-F238E27FC236}">
-                <a16:creationId xmlns:a16="http://schemas.microsoft.com/office/drawing/2014/main" id="{A6A7F2AB-8D88-E442-A008-923141521698}"/>
-              </a:ext>
-            </a:extLst>
-          </p:cNvPr>
-          <p:cNvCxnSpPr>
-            <a:cxnSpLocks/>
-            <a:stCxn id="14" idx="3"/>
-            <a:endCxn id="8" idx="1"/>
-          </p:cNvCxnSpPr>
-          <p:nvPr/>
-        </p:nvCxnSpPr>
-        <p:spPr>
-          <a:xfrm flipV="1">
-            <a:off x="7441140" y="3418313"/>
-            <a:ext cx="2062692" cy="986018"/>
-          </a:xfrm>
-          <a:prstGeom prst="bentConnector3">
-            <a:avLst>
-              <a:gd name="adj1" fmla="val 50000"/>
-            </a:avLst>
-          </a:prstGeom>
-          <a:ln w="19050">
-            <a:tailEnd type="triangle"/>
-          </a:ln>
-        </p:spPr>
-        <p:style>
-          <a:lnRef idx="1">
-            <a:schemeClr val="accent1"/>
-          </a:lnRef>
-          <a:fillRef idx="0">
-            <a:schemeClr val="accent1"/>
-          </a:fillRef>
-          <a:effectRef idx="0">
-            <a:schemeClr val="accent1"/>
-          </a:effectRef>
-          <a:fontRef idx="minor">
-            <a:schemeClr val="tx1"/>
-          </a:fontRef>
-        </p:style>
-      </p:cxnSp>
       <p:sp>
         <p:nvSpPr>
           <p:cNvPr id="1037" name="TextBox 1036">
@@ -4269,8 +4190,8 @@
         </p:nvSpPr>
         <p:spPr>
           <a:xfrm>
-            <a:off x="2497692" y="4473739"/>
-            <a:ext cx="3159839" cy="253916"/>
+            <a:off x="4614116" y="3664934"/>
+            <a:ext cx="2069797" cy="415498"/>
           </a:xfrm>
           <a:prstGeom prst="rect">
             <a:avLst/>
@@ -4285,7 +4206,13 @@
           <a:p>
             <a:r>
               <a:rPr kumimoji="1" lang="en-US" altLang="ja-JP" sz="1050" dirty="0"/>
-              <a:t>Customize queries, mutation,.. (business logics)</a:t>
+              <a:t>Customize queries, mutation,..</a:t>
+            </a:r>
+          </a:p>
+          <a:p>
+            <a:r>
+              <a:rPr kumimoji="1" lang="en-US" altLang="ja-JP" sz="1050" dirty="0"/>
+              <a:t> (business logics)</a:t>
             </a:r>
             <a:endParaRPr kumimoji="1" lang="ja-JP" altLang="en-US" sz="1050" dirty="0"/>
           </a:p>
@@ -4384,12 +4311,94 @@
           </a:fontRef>
         </p:style>
       </p:cxnSp>
+      <p:cxnSp>
+        <p:nvCxnSpPr>
+          <p:cNvPr id="1064" name="Connector: Elbow 1063">
+            <a:extLst>
+              <a:ext uri="{FF2B5EF4-FFF2-40B4-BE49-F238E27FC236}">
+                <a16:creationId xmlns:a16="http://schemas.microsoft.com/office/drawing/2014/main" id="{BF8D2A06-B322-4BFD-40D0-FD2968F003C4}"/>
+              </a:ext>
+            </a:extLst>
+          </p:cNvPr>
+          <p:cNvCxnSpPr>
+            <a:cxnSpLocks/>
+            <a:stCxn id="4" idx="2"/>
+            <a:endCxn id="1071" idx="1"/>
+          </p:cNvCxnSpPr>
+          <p:nvPr/>
+        </p:nvCxnSpPr>
+        <p:spPr>
+          <a:xfrm rot="16200000" flipH="1">
+            <a:off x="1829567" y="3446831"/>
+            <a:ext cx="1717692" cy="2591292"/>
+          </a:xfrm>
+          <a:prstGeom prst="bentConnector2">
+            <a:avLst/>
+          </a:prstGeom>
+          <a:ln w="19050">
+            <a:solidFill>
+              <a:schemeClr val="accent1"/>
+            </a:solidFill>
+            <a:tailEnd type="triangle"/>
+          </a:ln>
+        </p:spPr>
+        <p:style>
+          <a:lnRef idx="1">
+            <a:schemeClr val="accent1"/>
+          </a:lnRef>
+          <a:fillRef idx="0">
+            <a:schemeClr val="accent1"/>
+          </a:fillRef>
+          <a:effectRef idx="0">
+            <a:schemeClr val="accent1"/>
+          </a:effectRef>
+          <a:fontRef idx="minor">
+            <a:schemeClr val="tx1"/>
+          </a:fontRef>
+        </p:style>
+      </p:cxnSp>
+      <p:sp>
+        <p:nvSpPr>
+          <p:cNvPr id="1070" name="TextBox 1069">
+            <a:extLst>
+              <a:ext uri="{FF2B5EF4-FFF2-40B4-BE49-F238E27FC236}">
+                <a16:creationId xmlns:a16="http://schemas.microsoft.com/office/drawing/2014/main" id="{56F8DB3A-DE25-9632-B755-CDDBF90A415A}"/>
+              </a:ext>
+            </a:extLst>
+          </p:cNvPr>
+          <p:cNvSpPr txBox="1"/>
+          <p:nvPr/>
+        </p:nvSpPr>
+        <p:spPr>
+          <a:xfrm>
+            <a:off x="2246625" y="5329693"/>
+            <a:ext cx="883575" cy="253916"/>
+          </a:xfrm>
+          <a:prstGeom prst="rect">
+            <a:avLst/>
+          </a:prstGeom>
+          <a:noFill/>
+        </p:spPr>
+        <p:txBody>
+          <a:bodyPr wrap="none" rtlCol="0">
+            <a:spAutoFit/>
+          </a:bodyPr>
+          <a:lstStyle/>
+          <a:p>
+            <a:r>
+              <a:rPr kumimoji="1" lang="en-US" altLang="ja-JP" sz="1050" dirty="0"/>
+              <a:t>Restful API</a:t>
+            </a:r>
+            <a:endParaRPr kumimoji="1" lang="ja-JP" altLang="en-US" sz="1050" dirty="0"/>
+          </a:p>
+        </p:txBody>
+      </p:sp>
       <p:pic>
         <p:nvPicPr>
-          <p:cNvPr id="1053" name="Picture 10" descr="Graphql logo - Social media &amp; Logos Icons">
-            <a:extLst>
-              <a:ext uri="{FF2B5EF4-FFF2-40B4-BE49-F238E27FC236}">
-                <a16:creationId xmlns:a16="http://schemas.microsoft.com/office/drawing/2014/main" id="{499576B5-466A-8902-2285-ECE782C50966}"/>
+          <p:cNvPr id="1071" name="Picture 12" descr="15 fundamental tips on REST API design | by Williams O | Medium">
+            <a:extLst>
+              <a:ext uri="{FF2B5EF4-FFF2-40B4-BE49-F238E27FC236}">
+                <a16:creationId xmlns:a16="http://schemas.microsoft.com/office/drawing/2014/main" id="{271AB592-5331-0C2C-DC9B-73470B06858F}"/>
               </a:ext>
             </a:extLst>
           </p:cNvPr>
@@ -4399,7 +4408,7 @@
           <p:nvPr/>
         </p:nvPicPr>
         <p:blipFill>
-          <a:blip r:embed="rId7">
+          <a:blip r:embed="rId8">
             <a:extLst>
               <a:ext uri="{28A0092B-C50C-407E-A947-70E740481C1C}">
                 <a14:useLocalDpi xmlns:a14="http://schemas.microsoft.com/office/drawing/2010/main" val="0"/>
@@ -4413,8 +4422,8 @@
         </p:blipFill>
         <p:spPr bwMode="auto">
           <a:xfrm>
-            <a:off x="3984059" y="4258310"/>
-            <a:ext cx="627764" cy="313882"/>
+            <a:off x="3984059" y="5422104"/>
+            <a:ext cx="630851" cy="358438"/>
           </a:xfrm>
           <a:prstGeom prst="rect">
             <a:avLst/>
@@ -4433,31 +4442,34 @@
       </p:pic>
       <p:cxnSp>
         <p:nvCxnSpPr>
-          <p:cNvPr id="1055" name="Straight Arrow Connector 1054">
-            <a:extLst>
-              <a:ext uri="{FF2B5EF4-FFF2-40B4-BE49-F238E27FC236}">
-                <a16:creationId xmlns:a16="http://schemas.microsoft.com/office/drawing/2014/main" id="{8FC06128-8FFC-7510-40A2-F16485488425}"/>
+          <p:cNvPr id="1084" name="Connector: Elbow 1083">
+            <a:extLst>
+              <a:ext uri="{FF2B5EF4-FFF2-40B4-BE49-F238E27FC236}">
+                <a16:creationId xmlns:a16="http://schemas.microsoft.com/office/drawing/2014/main" id="{368DEC1B-A480-3019-0996-A1F5B77272E2}"/>
               </a:ext>
             </a:extLst>
           </p:cNvPr>
           <p:cNvCxnSpPr>
             <a:cxnSpLocks/>
-            <a:stCxn id="1053" idx="3"/>
-            <a:endCxn id="14" idx="1"/>
+            <a:stCxn id="1071" idx="3"/>
+            <a:endCxn id="14" idx="2"/>
           </p:cNvCxnSpPr>
           <p:nvPr/>
         </p:nvCxnSpPr>
         <p:spPr>
-          <a:xfrm flipV="1">
-            <a:off x="4611823" y="4404331"/>
-            <a:ext cx="1161383" cy="10920"/>
-          </a:xfrm>
-          <a:prstGeom prst="straightConnector1">
-            <a:avLst/>
+          <a:xfrm>
+            <a:off x="4614910" y="5601323"/>
+            <a:ext cx="1997556" cy="94501"/>
+          </a:xfrm>
+          <a:prstGeom prst="bentConnector4">
+            <a:avLst>
+              <a:gd name="adj1" fmla="val 29125"/>
+              <a:gd name="adj2" fmla="val 341902"/>
+            </a:avLst>
           </a:prstGeom>
           <a:ln w="19050">
             <a:solidFill>
-              <a:srgbClr val="F117C2"/>
+              <a:schemeClr val="accent1"/>
             </a:solidFill>
             <a:tailEnd type="triangle"/>
           </a:ln>
@@ -4477,58 +4489,12 @@
           </a:fontRef>
         </p:style>
       </p:cxnSp>
-      <p:cxnSp>
-        <p:nvCxnSpPr>
-          <p:cNvPr id="1064" name="Connector: Elbow 1063">
-            <a:extLst>
-              <a:ext uri="{FF2B5EF4-FFF2-40B4-BE49-F238E27FC236}">
-                <a16:creationId xmlns:a16="http://schemas.microsoft.com/office/drawing/2014/main" id="{BF8D2A06-B322-4BFD-40D0-FD2968F003C4}"/>
-              </a:ext>
-            </a:extLst>
-          </p:cNvPr>
-          <p:cNvCxnSpPr>
-            <a:cxnSpLocks/>
-            <a:stCxn id="4" idx="2"/>
-            <a:endCxn id="1071" idx="1"/>
-          </p:cNvCxnSpPr>
-          <p:nvPr/>
-        </p:nvCxnSpPr>
-        <p:spPr>
-          <a:xfrm rot="16200000" flipH="1">
-            <a:off x="1829567" y="3446831"/>
-            <a:ext cx="1717692" cy="2591292"/>
-          </a:xfrm>
-          <a:prstGeom prst="bentConnector2">
-            <a:avLst/>
-          </a:prstGeom>
-          <a:ln w="19050">
-            <a:solidFill>
-              <a:schemeClr val="accent1"/>
-            </a:solidFill>
-            <a:tailEnd type="triangle"/>
-          </a:ln>
-        </p:spPr>
-        <p:style>
-          <a:lnRef idx="1">
-            <a:schemeClr val="accent1"/>
-          </a:lnRef>
-          <a:fillRef idx="0">
-            <a:schemeClr val="accent1"/>
-          </a:fillRef>
-          <a:effectRef idx="0">
-            <a:schemeClr val="accent1"/>
-          </a:effectRef>
-          <a:fontRef idx="minor">
-            <a:schemeClr val="tx1"/>
-          </a:fontRef>
-        </p:style>
-      </p:cxnSp>
-      <p:sp>
-        <p:nvSpPr>
-          <p:cNvPr id="1070" name="TextBox 1069">
-            <a:extLst>
-              <a:ext uri="{FF2B5EF4-FFF2-40B4-BE49-F238E27FC236}">
-                <a16:creationId xmlns:a16="http://schemas.microsoft.com/office/drawing/2014/main" id="{56F8DB3A-DE25-9632-B755-CDDBF90A415A}"/>
+      <p:sp>
+        <p:nvSpPr>
+          <p:cNvPr id="1087" name="TextBox 1086">
+            <a:extLst>
+              <a:ext uri="{FF2B5EF4-FFF2-40B4-BE49-F238E27FC236}">
+                <a16:creationId xmlns:a16="http://schemas.microsoft.com/office/drawing/2014/main" id="{C9E22F06-8C33-1BE6-6C26-4DE9250B3011}"/>
               </a:ext>
             </a:extLst>
           </p:cNvPr>
@@ -4537,8 +4503,8 @@
         </p:nvSpPr>
         <p:spPr>
           <a:xfrm>
-            <a:off x="2246625" y="5329693"/>
-            <a:ext cx="883575" cy="253916"/>
+            <a:off x="143128" y="194733"/>
+            <a:ext cx="3491661" cy="369332"/>
           </a:xfrm>
           <a:prstGeom prst="rect">
             <a:avLst/>
@@ -4552,19 +4518,23 @@
           <a:lstStyle/>
           <a:p>
             <a:r>
-              <a:rPr kumimoji="1" lang="en-US" altLang="ja-JP" sz="1050" dirty="0"/>
-              <a:t>Restful API</a:t>
-            </a:r>
-            <a:endParaRPr kumimoji="1" lang="ja-JP" altLang="en-US" sz="1050" dirty="0"/>
+              <a:rPr kumimoji="1" lang="en-US" altLang="ja-JP" dirty="0"/>
+              <a:t>Infra: Development </a:t>
+            </a:r>
+            <a:r>
+              <a:rPr kumimoji="1" lang="en-US" altLang="ja-JP" dirty="0" err="1"/>
+              <a:t>Enviroment</a:t>
+            </a:r>
+            <a:endParaRPr kumimoji="1" lang="ja-JP" altLang="en-US" dirty="0"/>
           </a:p>
         </p:txBody>
       </p:sp>
       <p:pic>
         <p:nvPicPr>
-          <p:cNvPr id="1071" name="Picture 12" descr="15 fundamental tips on REST API design | by Williams O | Medium">
-            <a:extLst>
-              <a:ext uri="{FF2B5EF4-FFF2-40B4-BE49-F238E27FC236}">
-                <a16:creationId xmlns:a16="http://schemas.microsoft.com/office/drawing/2014/main" id="{271AB592-5331-0C2C-DC9B-73470B06858F}"/>
+          <p:cNvPr id="1090" name="Picture 16" descr="Chrome - Free logo icons">
+            <a:extLst>
+              <a:ext uri="{FF2B5EF4-FFF2-40B4-BE49-F238E27FC236}">
+                <a16:creationId xmlns:a16="http://schemas.microsoft.com/office/drawing/2014/main" id="{09DA9C66-AF0C-5BBA-B444-2B2CBFC9B185}"/>
               </a:ext>
             </a:extLst>
           </p:cNvPr>
@@ -4574,7 +4544,7 @@
           <p:nvPr/>
         </p:nvPicPr>
         <p:blipFill>
-          <a:blip r:embed="rId8">
+          <a:blip r:embed="rId9">
             <a:extLst>
               <a:ext uri="{28A0092B-C50C-407E-A947-70E740481C1C}">
                 <a14:useLocalDpi xmlns:a14="http://schemas.microsoft.com/office/drawing/2010/main" val="0"/>
@@ -4588,8 +4558,8 @@
         </p:blipFill>
         <p:spPr bwMode="auto">
           <a:xfrm>
-            <a:off x="3984059" y="5422104"/>
-            <a:ext cx="630851" cy="358438"/>
+            <a:off x="1140138" y="1458784"/>
+            <a:ext cx="517863" cy="517863"/>
           </a:xfrm>
           <a:prstGeom prst="rect">
             <a:avLst/>
@@ -4608,32 +4578,29 @@
       </p:pic>
       <p:cxnSp>
         <p:nvCxnSpPr>
-          <p:cNvPr id="1084" name="Connector: Elbow 1083">
-            <a:extLst>
-              <a:ext uri="{FF2B5EF4-FFF2-40B4-BE49-F238E27FC236}">
-                <a16:creationId xmlns:a16="http://schemas.microsoft.com/office/drawing/2014/main" id="{368DEC1B-A480-3019-0996-A1F5B77272E2}"/>
+          <p:cNvPr id="1091" name="Straight Arrow Connector 1090">
+            <a:extLst>
+              <a:ext uri="{FF2B5EF4-FFF2-40B4-BE49-F238E27FC236}">
+                <a16:creationId xmlns:a16="http://schemas.microsoft.com/office/drawing/2014/main" id="{FB6C3BF0-4523-BDF7-31EA-860E2464DE6C}"/>
               </a:ext>
             </a:extLst>
           </p:cNvPr>
           <p:cNvCxnSpPr>
             <a:cxnSpLocks/>
-            <a:stCxn id="1071" idx="3"/>
-            <a:endCxn id="14" idx="2"/>
+            <a:stCxn id="1090" idx="2"/>
+            <a:endCxn id="4" idx="0"/>
           </p:cNvCxnSpPr>
           <p:nvPr/>
         </p:nvCxnSpPr>
         <p:spPr>
-          <a:xfrm flipV="1">
-            <a:off x="4614910" y="4925031"/>
-            <a:ext cx="1992263" cy="676292"/>
-          </a:xfrm>
-          <a:prstGeom prst="bentConnector2">
+          <a:xfrm flipH="1">
+            <a:off x="1392767" y="1976647"/>
+            <a:ext cx="6303" cy="865584"/>
+          </a:xfrm>
+          <a:prstGeom prst="straightConnector1">
             <a:avLst/>
           </a:prstGeom>
           <a:ln w="19050">
-            <a:solidFill>
-              <a:schemeClr val="accent1"/>
-            </a:solidFill>
             <a:tailEnd type="triangle"/>
           </a:ln>
         </p:spPr>
@@ -4654,10 +4621,10 @@
       </p:cxnSp>
       <p:sp>
         <p:nvSpPr>
-          <p:cNvPr id="1087" name="TextBox 1086">
-            <a:extLst>
-              <a:ext uri="{FF2B5EF4-FFF2-40B4-BE49-F238E27FC236}">
-                <a16:creationId xmlns:a16="http://schemas.microsoft.com/office/drawing/2014/main" id="{C9E22F06-8C33-1BE6-6C26-4DE9250B3011}"/>
+          <p:cNvPr id="1092" name="TextBox 1091">
+            <a:extLst>
+              <a:ext uri="{FF2B5EF4-FFF2-40B4-BE49-F238E27FC236}">
+                <a16:creationId xmlns:a16="http://schemas.microsoft.com/office/drawing/2014/main" id="{269ECC2F-5865-0C03-F88D-D2E0AC503ADD}"/>
               </a:ext>
             </a:extLst>
           </p:cNvPr>
@@ -4666,8 +4633,8 @@
         </p:nvSpPr>
         <p:spPr>
           <a:xfrm>
-            <a:off x="143128" y="194733"/>
-            <a:ext cx="3491661" cy="369332"/>
+            <a:off x="638394" y="1129719"/>
+            <a:ext cx="1508746" cy="253916"/>
           </a:xfrm>
           <a:prstGeom prst="rect">
             <a:avLst/>
@@ -4681,88 +4648,41 @@
           <a:lstStyle/>
           <a:p>
             <a:r>
-              <a:rPr kumimoji="1" lang="en-US" altLang="ja-JP" dirty="0"/>
-              <a:t>Infra: Development </a:t>
-            </a:r>
-            <a:r>
-              <a:rPr kumimoji="1" lang="en-US" altLang="ja-JP" dirty="0" err="1"/>
-              <a:t>Enviroment</a:t>
-            </a:r>
-            <a:endParaRPr kumimoji="1" lang="ja-JP" altLang="en-US" dirty="0"/>
-          </a:p>
-        </p:txBody>
-      </p:sp>
-      <p:pic>
-        <p:nvPicPr>
-          <p:cNvPr id="2" name="Picture 16" descr="Chrome - Free logo icons">
-            <a:extLst>
-              <a:ext uri="{FF2B5EF4-FFF2-40B4-BE49-F238E27FC236}">
-                <a16:creationId xmlns:a16="http://schemas.microsoft.com/office/drawing/2014/main" id="{9E4C0F42-168D-DD58-0BF1-028A4D228FBF}"/>
-              </a:ext>
-            </a:extLst>
-          </p:cNvPr>
-          <p:cNvPicPr>
-            <a:picLocks noChangeAspect="1" noChangeArrowheads="1"/>
-          </p:cNvPicPr>
-          <p:nvPr/>
-        </p:nvPicPr>
-        <p:blipFill>
-          <a:blip r:embed="rId9">
-            <a:extLst>
-              <a:ext uri="{28A0092B-C50C-407E-A947-70E740481C1C}">
-                <a14:useLocalDpi xmlns:a14="http://schemas.microsoft.com/office/drawing/2010/main" val="0"/>
-              </a:ext>
-            </a:extLst>
-          </a:blip>
-          <a:srcRect/>
-          <a:stretch>
-            <a:fillRect/>
-          </a:stretch>
-        </p:blipFill>
-        <p:spPr bwMode="auto">
-          <a:xfrm>
-            <a:off x="1140138" y="1458784"/>
-            <a:ext cx="517863" cy="517863"/>
-          </a:xfrm>
-          <a:prstGeom prst="rect">
-            <a:avLst/>
-          </a:prstGeom>
-          <a:noFill/>
-          <a:extLst>
-            <a:ext uri="{909E8E84-426E-40DD-AFC4-6F175D3DCCD1}">
-              <a14:hiddenFill xmlns:a14="http://schemas.microsoft.com/office/drawing/2010/main">
-                <a:solidFill>
-                  <a:srgbClr val="FFFFFF"/>
-                </a:solidFill>
-              </a14:hiddenFill>
-            </a:ext>
-          </a:extLst>
-        </p:spPr>
-      </p:pic>
+              <a:rPr lang="en-US" altLang="ja-JP" sz="1050" dirty="0"/>
+              <a:t>http://localhost:3000</a:t>
+            </a:r>
+            <a:endParaRPr kumimoji="1" lang="ja-JP" altLang="en-US" sz="1050" dirty="0"/>
+          </a:p>
+        </p:txBody>
+      </p:sp>
       <p:cxnSp>
         <p:nvCxnSpPr>
-          <p:cNvPr id="18" name="Straight Arrow Connector 17">
-            <a:extLst>
-              <a:ext uri="{FF2B5EF4-FFF2-40B4-BE49-F238E27FC236}">
-                <a16:creationId xmlns:a16="http://schemas.microsoft.com/office/drawing/2014/main" id="{729E6693-520C-9742-09E5-BD364792F1E2}"/>
+          <p:cNvPr id="41" name="Straight Arrow Connector 1044">
+            <a:extLst>
+              <a:ext uri="{FF2B5EF4-FFF2-40B4-BE49-F238E27FC236}">
+                <a16:creationId xmlns:a16="http://schemas.microsoft.com/office/drawing/2014/main" id="{564E74B5-8746-5AE9-F5E5-629724952362}"/>
               </a:ext>
             </a:extLst>
           </p:cNvPr>
           <p:cNvCxnSpPr>
-            <a:stCxn id="2" idx="2"/>
-            <a:endCxn id="11" idx="0"/>
+            <a:cxnSpLocks/>
+            <a:stCxn id="5" idx="2"/>
+            <a:endCxn id="14" idx="0"/>
           </p:cNvCxnSpPr>
           <p:nvPr/>
         </p:nvCxnSpPr>
         <p:spPr>
-          <a:xfrm flipH="1">
-            <a:off x="1396530" y="1976647"/>
-            <a:ext cx="2540" cy="894720"/>
+          <a:xfrm>
+            <a:off x="6612466" y="3031913"/>
+            <a:ext cx="0" cy="1622511"/>
           </a:xfrm>
           <a:prstGeom prst="straightConnector1">
             <a:avLst/>
           </a:prstGeom>
           <a:ln w="19050">
+            <a:solidFill>
+              <a:srgbClr val="F117C2"/>
+            </a:solidFill>
             <a:tailEnd type="triangle"/>
           </a:ln>
         </p:spPr>
@@ -4781,46 +4701,55 @@
           </a:fontRef>
         </p:style>
       </p:cxnSp>
-      <p:sp>
-        <p:nvSpPr>
-          <p:cNvPr id="22" name="TextBox 21">
-            <a:extLst>
-              <a:ext uri="{FF2B5EF4-FFF2-40B4-BE49-F238E27FC236}">
-                <a16:creationId xmlns:a16="http://schemas.microsoft.com/office/drawing/2014/main" id="{36692693-0877-9713-C380-B9976FA02D9D}"/>
-              </a:ext>
-            </a:extLst>
-          </p:cNvPr>
-          <p:cNvSpPr txBox="1"/>
-          <p:nvPr/>
-        </p:nvSpPr>
-        <p:spPr>
-          <a:xfrm>
-            <a:off x="638394" y="1129719"/>
-            <a:ext cx="1508746" cy="253916"/>
-          </a:xfrm>
-          <a:prstGeom prst="rect">
-            <a:avLst/>
-          </a:prstGeom>
-          <a:noFill/>
-        </p:spPr>
-        <p:txBody>
-          <a:bodyPr wrap="none" rtlCol="0">
-            <a:spAutoFit/>
-          </a:bodyPr>
-          <a:lstStyle/>
-          <a:p>
-            <a:r>
-              <a:rPr lang="en-US" altLang="ja-JP" sz="1050" dirty="0"/>
-              <a:t>http://localhost:3000</a:t>
-            </a:r>
-            <a:endParaRPr kumimoji="1" lang="ja-JP" altLang="en-US" sz="1050" dirty="0"/>
-          </a:p>
-        </p:txBody>
-      </p:sp>
+      <p:cxnSp>
+        <p:nvCxnSpPr>
+          <p:cNvPr id="48" name="Connector: Elbow 23">
+            <a:extLst>
+              <a:ext uri="{FF2B5EF4-FFF2-40B4-BE49-F238E27FC236}">
+                <a16:creationId xmlns:a16="http://schemas.microsoft.com/office/drawing/2014/main" id="{C4D22BD7-4212-117C-A4BD-90E39E7A643B}"/>
+              </a:ext>
+            </a:extLst>
+          </p:cNvPr>
+          <p:cNvCxnSpPr>
+            <a:cxnSpLocks/>
+            <a:stCxn id="14" idx="3"/>
+            <a:endCxn id="8" idx="1"/>
+          </p:cNvCxnSpPr>
+          <p:nvPr/>
+        </p:nvCxnSpPr>
+        <p:spPr>
+          <a:xfrm flipV="1">
+            <a:off x="7446433" y="3418313"/>
+            <a:ext cx="2057399" cy="1756811"/>
+          </a:xfrm>
+          <a:prstGeom prst="bentConnector3">
+            <a:avLst>
+              <a:gd name="adj1" fmla="val 50000"/>
+            </a:avLst>
+          </a:prstGeom>
+          <a:ln w="19050">
+            <a:tailEnd type="triangle"/>
+          </a:ln>
+        </p:spPr>
+        <p:style>
+          <a:lnRef idx="1">
+            <a:schemeClr val="accent1"/>
+          </a:lnRef>
+          <a:fillRef idx="0">
+            <a:schemeClr val="accent1"/>
+          </a:fillRef>
+          <a:effectRef idx="0">
+            <a:schemeClr val="accent1"/>
+          </a:effectRef>
+          <a:fontRef idx="minor">
+            <a:schemeClr val="tx1"/>
+          </a:fontRef>
+        </p:style>
+      </p:cxnSp>
     </p:spTree>
     <p:extLst>
       <p:ext uri="{BB962C8B-B14F-4D97-AF65-F5344CB8AC3E}">
-        <p14:creationId xmlns:p14="http://schemas.microsoft.com/office/powerpoint/2010/main" val="1159337182"/>
+        <p14:creationId xmlns:p14="http://schemas.microsoft.com/office/powerpoint/2010/main" val="337783628"/>
       </p:ext>
     </p:extLst>
   </p:cSld>
@@ -5400,7 +5329,7 @@
         </p:nvSpPr>
         <p:spPr>
           <a:xfrm>
-            <a:off x="5773206" y="3883631"/>
+            <a:off x="5778499" y="4654424"/>
             <a:ext cx="1667934" cy="1041400"/>
           </a:xfrm>
           <a:prstGeom prst="rect">
@@ -5462,7 +5391,7 @@
         </p:blipFill>
         <p:spPr bwMode="auto">
           <a:xfrm>
-            <a:off x="5773206" y="4544031"/>
+            <a:off x="5778499" y="5314824"/>
             <a:ext cx="541866" cy="304800"/>
           </a:xfrm>
           <a:prstGeom prst="rect">
@@ -5507,7 +5436,7 @@
         </p:blipFill>
         <p:spPr bwMode="auto">
           <a:xfrm>
-            <a:off x="6271451" y="4236470"/>
+            <a:off x="6276744" y="5007263"/>
             <a:ext cx="671444" cy="335722"/>
           </a:xfrm>
           <a:prstGeom prst="rect">
@@ -5539,7 +5468,7 @@
         </p:nvSpPr>
         <p:spPr>
           <a:xfrm>
-            <a:off x="5773206" y="3887446"/>
+            <a:off x="5778499" y="4658239"/>
             <a:ext cx="1088760" cy="261610"/>
           </a:xfrm>
           <a:prstGeom prst="rect">
@@ -5627,8 +5556,8 @@
         </p:nvSpPr>
         <p:spPr>
           <a:xfrm>
-            <a:off x="2467638" y="2186576"/>
-            <a:ext cx="3305568" cy="253916"/>
+            <a:off x="7490673" y="2055883"/>
+            <a:ext cx="1877441" cy="400110"/>
           </a:xfrm>
           <a:prstGeom prst="rect">
             <a:avLst/>
@@ -5642,16 +5571,18 @@
           <a:lstStyle/>
           <a:p>
             <a:r>
-              <a:rPr kumimoji="1" lang="en-US" altLang="ja-JP" sz="1000" dirty="0" err="1"/>
-              <a:t>Hasura</a:t>
-            </a:r>
-            <a:r>
               <a:rPr kumimoji="1" lang="en-US" altLang="ja-JP" sz="1000" dirty="0"/>
-              <a:t> buil</a:t>
+              <a:t>Buil</a:t>
             </a:r>
             <a:r>
               <a:rPr lang="en-US" altLang="ja-JP" sz="1000" dirty="0"/>
-              <a:t>t-in queries, mutations,.. </a:t>
+              <a:t>t-in queries, mutations,..</a:t>
+            </a:r>
+          </a:p>
+          <a:p>
+            <a:r>
+              <a:rPr lang="en-US" altLang="ja-JP" sz="1000" dirty="0"/>
+              <a:t> </a:t>
             </a:r>
             <a:r>
               <a:rPr kumimoji="1" lang="en-US" altLang="ja-JP" sz="1000" dirty="0"/>
@@ -5706,99 +5637,6 @@
           </a:fontRef>
         </p:style>
       </p:cxnSp>
-      <p:cxnSp>
-        <p:nvCxnSpPr>
-          <p:cNvPr id="28" name="Connector: Elbow 27">
-            <a:extLst>
-              <a:ext uri="{FF2B5EF4-FFF2-40B4-BE49-F238E27FC236}">
-                <a16:creationId xmlns:a16="http://schemas.microsoft.com/office/drawing/2014/main" id="{B5417FE1-A196-DA90-DF8B-FD65393D7017}"/>
-              </a:ext>
-            </a:extLst>
-          </p:cNvPr>
-          <p:cNvCxnSpPr>
-            <a:cxnSpLocks/>
-            <a:stCxn id="4" idx="3"/>
-            <a:endCxn id="1053" idx="1"/>
-          </p:cNvCxnSpPr>
-          <p:nvPr/>
-        </p:nvCxnSpPr>
-        <p:spPr>
-          <a:xfrm>
-            <a:off x="2226734" y="3362931"/>
-            <a:ext cx="1757325" cy="1052320"/>
-          </a:xfrm>
-          <a:prstGeom prst="bentConnector3">
-            <a:avLst>
-              <a:gd name="adj1" fmla="val 20129"/>
-            </a:avLst>
-          </a:prstGeom>
-          <a:ln w="19050">
-            <a:solidFill>
-              <a:srgbClr val="F117C2"/>
-            </a:solidFill>
-            <a:tailEnd type="triangle"/>
-          </a:ln>
-        </p:spPr>
-        <p:style>
-          <a:lnRef idx="1">
-            <a:schemeClr val="accent1"/>
-          </a:lnRef>
-          <a:fillRef idx="0">
-            <a:schemeClr val="accent1"/>
-          </a:fillRef>
-          <a:effectRef idx="0">
-            <a:schemeClr val="accent1"/>
-          </a:effectRef>
-          <a:fontRef idx="minor">
-            <a:schemeClr val="tx1"/>
-          </a:fontRef>
-        </p:style>
-      </p:cxnSp>
-      <p:cxnSp>
-        <p:nvCxnSpPr>
-          <p:cNvPr id="1029" name="Connector: Elbow 1028">
-            <a:extLst>
-              <a:ext uri="{FF2B5EF4-FFF2-40B4-BE49-F238E27FC236}">
-                <a16:creationId xmlns:a16="http://schemas.microsoft.com/office/drawing/2014/main" id="{A6A7F2AB-8D88-E442-A008-923141521698}"/>
-              </a:ext>
-            </a:extLst>
-          </p:cNvPr>
-          <p:cNvCxnSpPr>
-            <a:cxnSpLocks/>
-            <a:stCxn id="14" idx="3"/>
-            <a:endCxn id="8" idx="1"/>
-          </p:cNvCxnSpPr>
-          <p:nvPr/>
-        </p:nvCxnSpPr>
-        <p:spPr>
-          <a:xfrm flipV="1">
-            <a:off x="7441140" y="3418313"/>
-            <a:ext cx="2062692" cy="986018"/>
-          </a:xfrm>
-          <a:prstGeom prst="bentConnector3">
-            <a:avLst>
-              <a:gd name="adj1" fmla="val 50000"/>
-            </a:avLst>
-          </a:prstGeom>
-          <a:ln w="19050">
-            <a:tailEnd type="triangle"/>
-          </a:ln>
-        </p:spPr>
-        <p:style>
-          <a:lnRef idx="1">
-            <a:schemeClr val="accent1"/>
-          </a:lnRef>
-          <a:fillRef idx="0">
-            <a:schemeClr val="accent1"/>
-          </a:fillRef>
-          <a:effectRef idx="0">
-            <a:schemeClr val="accent1"/>
-          </a:effectRef>
-          <a:fontRef idx="minor">
-            <a:schemeClr val="tx1"/>
-          </a:fontRef>
-        </p:style>
-      </p:cxnSp>
       <p:sp>
         <p:nvSpPr>
           <p:cNvPr id="1037" name="TextBox 1036">
@@ -5813,8 +5651,8 @@
         </p:nvSpPr>
         <p:spPr>
           <a:xfrm>
-            <a:off x="2497692" y="4473739"/>
-            <a:ext cx="3159839" cy="253916"/>
+            <a:off x="4614116" y="3664934"/>
+            <a:ext cx="2069797" cy="415498"/>
           </a:xfrm>
           <a:prstGeom prst="rect">
             <a:avLst/>
@@ -5829,7 +5667,13 @@
           <a:p>
             <a:r>
               <a:rPr kumimoji="1" lang="en-US" altLang="ja-JP" sz="1050" dirty="0"/>
-              <a:t>Customize queries, mutation,.. (business logics)</a:t>
+              <a:t>Customize queries, mutation,..</a:t>
+            </a:r>
+          </a:p>
+          <a:p>
+            <a:r>
+              <a:rPr kumimoji="1" lang="en-US" altLang="ja-JP" sz="1050" dirty="0"/>
+              <a:t> (business logics)</a:t>
             </a:r>
             <a:endParaRPr kumimoji="1" lang="ja-JP" altLang="en-US" sz="1050" dirty="0"/>
           </a:p>
@@ -5928,12 +5772,94 @@
           </a:fontRef>
         </p:style>
       </p:cxnSp>
+      <p:cxnSp>
+        <p:nvCxnSpPr>
+          <p:cNvPr id="1064" name="Connector: Elbow 1063">
+            <a:extLst>
+              <a:ext uri="{FF2B5EF4-FFF2-40B4-BE49-F238E27FC236}">
+                <a16:creationId xmlns:a16="http://schemas.microsoft.com/office/drawing/2014/main" id="{BF8D2A06-B322-4BFD-40D0-FD2968F003C4}"/>
+              </a:ext>
+            </a:extLst>
+          </p:cNvPr>
+          <p:cNvCxnSpPr>
+            <a:cxnSpLocks/>
+            <a:stCxn id="4" idx="2"/>
+            <a:endCxn id="1071" idx="1"/>
+          </p:cNvCxnSpPr>
+          <p:nvPr/>
+        </p:nvCxnSpPr>
+        <p:spPr>
+          <a:xfrm rot="16200000" flipH="1">
+            <a:off x="1829567" y="3446831"/>
+            <a:ext cx="1717692" cy="2591292"/>
+          </a:xfrm>
+          <a:prstGeom prst="bentConnector2">
+            <a:avLst/>
+          </a:prstGeom>
+          <a:ln w="19050">
+            <a:solidFill>
+              <a:schemeClr val="accent1"/>
+            </a:solidFill>
+            <a:tailEnd type="triangle"/>
+          </a:ln>
+        </p:spPr>
+        <p:style>
+          <a:lnRef idx="1">
+            <a:schemeClr val="accent1"/>
+          </a:lnRef>
+          <a:fillRef idx="0">
+            <a:schemeClr val="accent1"/>
+          </a:fillRef>
+          <a:effectRef idx="0">
+            <a:schemeClr val="accent1"/>
+          </a:effectRef>
+          <a:fontRef idx="minor">
+            <a:schemeClr val="tx1"/>
+          </a:fontRef>
+        </p:style>
+      </p:cxnSp>
+      <p:sp>
+        <p:nvSpPr>
+          <p:cNvPr id="1070" name="TextBox 1069">
+            <a:extLst>
+              <a:ext uri="{FF2B5EF4-FFF2-40B4-BE49-F238E27FC236}">
+                <a16:creationId xmlns:a16="http://schemas.microsoft.com/office/drawing/2014/main" id="{56F8DB3A-DE25-9632-B755-CDDBF90A415A}"/>
+              </a:ext>
+            </a:extLst>
+          </p:cNvPr>
+          <p:cNvSpPr txBox="1"/>
+          <p:nvPr/>
+        </p:nvSpPr>
+        <p:spPr>
+          <a:xfrm>
+            <a:off x="2246625" y="5329693"/>
+            <a:ext cx="883575" cy="253916"/>
+          </a:xfrm>
+          <a:prstGeom prst="rect">
+            <a:avLst/>
+          </a:prstGeom>
+          <a:noFill/>
+        </p:spPr>
+        <p:txBody>
+          <a:bodyPr wrap="none" rtlCol="0">
+            <a:spAutoFit/>
+          </a:bodyPr>
+          <a:lstStyle/>
+          <a:p>
+            <a:r>
+              <a:rPr kumimoji="1" lang="en-US" altLang="ja-JP" sz="1050" dirty="0"/>
+              <a:t>Restful API</a:t>
+            </a:r>
+            <a:endParaRPr kumimoji="1" lang="ja-JP" altLang="en-US" sz="1050" dirty="0"/>
+          </a:p>
+        </p:txBody>
+      </p:sp>
       <p:pic>
         <p:nvPicPr>
-          <p:cNvPr id="1053" name="Picture 10" descr="Graphql logo - Social media &amp; Logos Icons">
-            <a:extLst>
-              <a:ext uri="{FF2B5EF4-FFF2-40B4-BE49-F238E27FC236}">
-                <a16:creationId xmlns:a16="http://schemas.microsoft.com/office/drawing/2014/main" id="{499576B5-466A-8902-2285-ECE782C50966}"/>
+          <p:cNvPr id="1071" name="Picture 12" descr="15 fundamental tips on REST API design | by Williams O | Medium">
+            <a:extLst>
+              <a:ext uri="{FF2B5EF4-FFF2-40B4-BE49-F238E27FC236}">
+                <a16:creationId xmlns:a16="http://schemas.microsoft.com/office/drawing/2014/main" id="{271AB592-5331-0C2C-DC9B-73470B06858F}"/>
               </a:ext>
             </a:extLst>
           </p:cNvPr>
@@ -5943,7 +5869,7 @@
           <p:nvPr/>
         </p:nvPicPr>
         <p:blipFill>
-          <a:blip r:embed="rId7">
+          <a:blip r:embed="rId8">
             <a:extLst>
               <a:ext uri="{28A0092B-C50C-407E-A947-70E740481C1C}">
                 <a14:useLocalDpi xmlns:a14="http://schemas.microsoft.com/office/drawing/2010/main" val="0"/>
@@ -5957,8 +5883,8 @@
         </p:blipFill>
         <p:spPr bwMode="auto">
           <a:xfrm>
-            <a:off x="3984059" y="4258310"/>
-            <a:ext cx="627764" cy="313882"/>
+            <a:off x="3984059" y="5422104"/>
+            <a:ext cx="630851" cy="358438"/>
           </a:xfrm>
           <a:prstGeom prst="rect">
             <a:avLst/>
@@ -5977,31 +5903,34 @@
       </p:pic>
       <p:cxnSp>
         <p:nvCxnSpPr>
-          <p:cNvPr id="1055" name="Straight Arrow Connector 1054">
-            <a:extLst>
-              <a:ext uri="{FF2B5EF4-FFF2-40B4-BE49-F238E27FC236}">
-                <a16:creationId xmlns:a16="http://schemas.microsoft.com/office/drawing/2014/main" id="{8FC06128-8FFC-7510-40A2-F16485488425}"/>
+          <p:cNvPr id="1084" name="Connector: Elbow 1083">
+            <a:extLst>
+              <a:ext uri="{FF2B5EF4-FFF2-40B4-BE49-F238E27FC236}">
+                <a16:creationId xmlns:a16="http://schemas.microsoft.com/office/drawing/2014/main" id="{368DEC1B-A480-3019-0996-A1F5B77272E2}"/>
               </a:ext>
             </a:extLst>
           </p:cNvPr>
           <p:cNvCxnSpPr>
             <a:cxnSpLocks/>
-            <a:stCxn id="1053" idx="3"/>
-            <a:endCxn id="14" idx="1"/>
+            <a:stCxn id="1071" idx="3"/>
+            <a:endCxn id="14" idx="2"/>
           </p:cNvCxnSpPr>
           <p:nvPr/>
         </p:nvCxnSpPr>
         <p:spPr>
-          <a:xfrm flipV="1">
-            <a:off x="4611823" y="4404331"/>
-            <a:ext cx="1161383" cy="10920"/>
-          </a:xfrm>
-          <a:prstGeom prst="straightConnector1">
-            <a:avLst/>
+          <a:xfrm>
+            <a:off x="4614910" y="5601323"/>
+            <a:ext cx="1997556" cy="94501"/>
+          </a:xfrm>
+          <a:prstGeom prst="bentConnector4">
+            <a:avLst>
+              <a:gd name="adj1" fmla="val 29125"/>
+              <a:gd name="adj2" fmla="val 341902"/>
+            </a:avLst>
           </a:prstGeom>
           <a:ln w="19050">
             <a:solidFill>
-              <a:srgbClr val="F117C2"/>
+              <a:schemeClr val="accent1"/>
             </a:solidFill>
             <a:tailEnd type="triangle"/>
           </a:ln>
@@ -6021,58 +5950,12 @@
           </a:fontRef>
         </p:style>
       </p:cxnSp>
-      <p:cxnSp>
-        <p:nvCxnSpPr>
-          <p:cNvPr id="1064" name="Connector: Elbow 1063">
-            <a:extLst>
-              <a:ext uri="{FF2B5EF4-FFF2-40B4-BE49-F238E27FC236}">
-                <a16:creationId xmlns:a16="http://schemas.microsoft.com/office/drawing/2014/main" id="{BF8D2A06-B322-4BFD-40D0-FD2968F003C4}"/>
-              </a:ext>
-            </a:extLst>
-          </p:cNvPr>
-          <p:cNvCxnSpPr>
-            <a:cxnSpLocks/>
-            <a:stCxn id="4" idx="2"/>
-            <a:endCxn id="1071" idx="1"/>
-          </p:cNvCxnSpPr>
-          <p:nvPr/>
-        </p:nvCxnSpPr>
-        <p:spPr>
-          <a:xfrm rot="16200000" flipH="1">
-            <a:off x="1829567" y="3446831"/>
-            <a:ext cx="1717692" cy="2591292"/>
-          </a:xfrm>
-          <a:prstGeom prst="bentConnector2">
-            <a:avLst/>
-          </a:prstGeom>
-          <a:ln w="19050">
-            <a:solidFill>
-              <a:schemeClr val="accent1"/>
-            </a:solidFill>
-            <a:tailEnd type="triangle"/>
-          </a:ln>
-        </p:spPr>
-        <p:style>
-          <a:lnRef idx="1">
-            <a:schemeClr val="accent1"/>
-          </a:lnRef>
-          <a:fillRef idx="0">
-            <a:schemeClr val="accent1"/>
-          </a:fillRef>
-          <a:effectRef idx="0">
-            <a:schemeClr val="accent1"/>
-          </a:effectRef>
-          <a:fontRef idx="minor">
-            <a:schemeClr val="tx1"/>
-          </a:fontRef>
-        </p:style>
-      </p:cxnSp>
-      <p:sp>
-        <p:nvSpPr>
-          <p:cNvPr id="1070" name="TextBox 1069">
-            <a:extLst>
-              <a:ext uri="{FF2B5EF4-FFF2-40B4-BE49-F238E27FC236}">
-                <a16:creationId xmlns:a16="http://schemas.microsoft.com/office/drawing/2014/main" id="{56F8DB3A-DE25-9632-B755-CDDBF90A415A}"/>
+      <p:sp>
+        <p:nvSpPr>
+          <p:cNvPr id="1087" name="TextBox 1086">
+            <a:extLst>
+              <a:ext uri="{FF2B5EF4-FFF2-40B4-BE49-F238E27FC236}">
+                <a16:creationId xmlns:a16="http://schemas.microsoft.com/office/drawing/2014/main" id="{C9E22F06-8C33-1BE6-6C26-4DE9250B3011}"/>
               </a:ext>
             </a:extLst>
           </p:cNvPr>
@@ -6081,8 +5964,8 @@
         </p:nvSpPr>
         <p:spPr>
           <a:xfrm>
-            <a:off x="2246625" y="5329693"/>
-            <a:ext cx="883575" cy="253916"/>
+            <a:off x="143128" y="194733"/>
+            <a:ext cx="3241593" cy="369332"/>
           </a:xfrm>
           <a:prstGeom prst="rect">
             <a:avLst/>
@@ -6096,19 +5979,27 @@
           <a:lstStyle/>
           <a:p>
             <a:r>
-              <a:rPr kumimoji="1" lang="en-US" altLang="ja-JP" sz="1050" dirty="0"/>
-              <a:t>Restful API</a:t>
-            </a:r>
-            <a:endParaRPr kumimoji="1" lang="ja-JP" altLang="en-US" sz="1050" dirty="0"/>
+              <a:rPr kumimoji="1" lang="en-US" altLang="ja-JP" dirty="0"/>
+              <a:t>Infra</a:t>
+            </a:r>
+            <a:r>
+              <a:rPr kumimoji="1" lang="en-US" altLang="ja-JP"/>
+              <a:t>: Production </a:t>
+            </a:r>
+            <a:r>
+              <a:rPr kumimoji="1" lang="en-US" altLang="ja-JP" dirty="0" err="1"/>
+              <a:t>Enviroment</a:t>
+            </a:r>
+            <a:endParaRPr kumimoji="1" lang="ja-JP" altLang="en-US" dirty="0"/>
           </a:p>
         </p:txBody>
       </p:sp>
       <p:pic>
         <p:nvPicPr>
-          <p:cNvPr id="1071" name="Picture 12" descr="15 fundamental tips on REST API design | by Williams O | Medium">
-            <a:extLst>
-              <a:ext uri="{FF2B5EF4-FFF2-40B4-BE49-F238E27FC236}">
-                <a16:creationId xmlns:a16="http://schemas.microsoft.com/office/drawing/2014/main" id="{271AB592-5331-0C2C-DC9B-73470B06858F}"/>
+          <p:cNvPr id="1090" name="Picture 16" descr="Chrome - Free logo icons">
+            <a:extLst>
+              <a:ext uri="{FF2B5EF4-FFF2-40B4-BE49-F238E27FC236}">
+                <a16:creationId xmlns:a16="http://schemas.microsoft.com/office/drawing/2014/main" id="{09DA9C66-AF0C-5BBA-B444-2B2CBFC9B185}"/>
               </a:ext>
             </a:extLst>
           </p:cNvPr>
@@ -6118,7 +6009,7 @@
           <p:nvPr/>
         </p:nvPicPr>
         <p:blipFill>
-          <a:blip r:embed="rId8">
+          <a:blip r:embed="rId9">
             <a:extLst>
               <a:ext uri="{28A0092B-C50C-407E-A947-70E740481C1C}">
                 <a14:useLocalDpi xmlns:a14="http://schemas.microsoft.com/office/drawing/2010/main" val="0"/>
@@ -6132,8 +6023,8 @@
         </p:blipFill>
         <p:spPr bwMode="auto">
           <a:xfrm>
-            <a:off x="3984059" y="5422104"/>
-            <a:ext cx="630851" cy="358438"/>
+            <a:off x="1140138" y="1458784"/>
+            <a:ext cx="517863" cy="517863"/>
           </a:xfrm>
           <a:prstGeom prst="rect">
             <a:avLst/>
@@ -6152,32 +6043,29 @@
       </p:pic>
       <p:cxnSp>
         <p:nvCxnSpPr>
-          <p:cNvPr id="1084" name="Connector: Elbow 1083">
-            <a:extLst>
-              <a:ext uri="{FF2B5EF4-FFF2-40B4-BE49-F238E27FC236}">
-                <a16:creationId xmlns:a16="http://schemas.microsoft.com/office/drawing/2014/main" id="{368DEC1B-A480-3019-0996-A1F5B77272E2}"/>
+          <p:cNvPr id="1091" name="Straight Arrow Connector 1090">
+            <a:extLst>
+              <a:ext uri="{FF2B5EF4-FFF2-40B4-BE49-F238E27FC236}">
+                <a16:creationId xmlns:a16="http://schemas.microsoft.com/office/drawing/2014/main" id="{FB6C3BF0-4523-BDF7-31EA-860E2464DE6C}"/>
               </a:ext>
             </a:extLst>
           </p:cNvPr>
           <p:cNvCxnSpPr>
             <a:cxnSpLocks/>
-            <a:stCxn id="1071" idx="3"/>
-            <a:endCxn id="14" idx="2"/>
+            <a:stCxn id="1090" idx="2"/>
+            <a:endCxn id="4" idx="0"/>
           </p:cNvCxnSpPr>
           <p:nvPr/>
         </p:nvCxnSpPr>
         <p:spPr>
-          <a:xfrm flipV="1">
-            <a:off x="4614910" y="4925031"/>
-            <a:ext cx="1992263" cy="676292"/>
-          </a:xfrm>
-          <a:prstGeom prst="bentConnector2">
+          <a:xfrm flipH="1">
+            <a:off x="1392767" y="1976647"/>
+            <a:ext cx="6303" cy="865584"/>
+          </a:xfrm>
+          <a:prstGeom prst="straightConnector1">
             <a:avLst/>
           </a:prstGeom>
           <a:ln w="19050">
-            <a:solidFill>
-              <a:schemeClr val="accent1"/>
-            </a:solidFill>
             <a:tailEnd type="triangle"/>
           </a:ln>
         </p:spPr>
@@ -6198,10 +6086,10 @@
       </p:cxnSp>
       <p:sp>
         <p:nvSpPr>
-          <p:cNvPr id="1087" name="TextBox 1086">
-            <a:extLst>
-              <a:ext uri="{FF2B5EF4-FFF2-40B4-BE49-F238E27FC236}">
-                <a16:creationId xmlns:a16="http://schemas.microsoft.com/office/drawing/2014/main" id="{C9E22F06-8C33-1BE6-6C26-4DE9250B3011}"/>
+          <p:cNvPr id="1092" name="TextBox 1091">
+            <a:extLst>
+              <a:ext uri="{FF2B5EF4-FFF2-40B4-BE49-F238E27FC236}">
+                <a16:creationId xmlns:a16="http://schemas.microsoft.com/office/drawing/2014/main" id="{269ECC2F-5865-0C03-F88D-D2E0AC503ADD}"/>
               </a:ext>
             </a:extLst>
           </p:cNvPr>
@@ -6210,8 +6098,8 @@
         </p:nvSpPr>
         <p:spPr>
           <a:xfrm>
-            <a:off x="143128" y="194733"/>
-            <a:ext cx="3241593" cy="369332"/>
+            <a:off x="638394" y="1129719"/>
+            <a:ext cx="1508746" cy="253916"/>
           </a:xfrm>
           <a:prstGeom prst="rect">
             <a:avLst/>
@@ -6225,93 +6113,41 @@
           <a:lstStyle/>
           <a:p>
             <a:r>
-              <a:rPr kumimoji="1" lang="en-US" altLang="ja-JP" dirty="0"/>
-              <a:t>Infra</a:t>
-            </a:r>
-            <a:r>
-              <a:rPr kumimoji="1" lang="en-US" altLang="ja-JP"/>
-              <a:t>: Production </a:t>
-            </a:r>
-            <a:r>
-              <a:rPr kumimoji="1" lang="en-US" altLang="ja-JP" dirty="0" err="1"/>
-              <a:t>Enviroment</a:t>
-            </a:r>
-            <a:endParaRPr kumimoji="1" lang="ja-JP" altLang="en-US" dirty="0"/>
-          </a:p>
-        </p:txBody>
-      </p:sp>
-      <p:pic>
-        <p:nvPicPr>
-          <p:cNvPr id="1090" name="Picture 16" descr="Chrome - Free logo icons">
-            <a:extLst>
-              <a:ext uri="{FF2B5EF4-FFF2-40B4-BE49-F238E27FC236}">
-                <a16:creationId xmlns:a16="http://schemas.microsoft.com/office/drawing/2014/main" id="{09DA9C66-AF0C-5BBA-B444-2B2CBFC9B185}"/>
-              </a:ext>
-            </a:extLst>
-          </p:cNvPr>
-          <p:cNvPicPr>
-            <a:picLocks noChangeAspect="1" noChangeArrowheads="1"/>
-          </p:cNvPicPr>
-          <p:nvPr/>
-        </p:nvPicPr>
-        <p:blipFill>
-          <a:blip r:embed="rId9">
-            <a:extLst>
-              <a:ext uri="{28A0092B-C50C-407E-A947-70E740481C1C}">
-                <a14:useLocalDpi xmlns:a14="http://schemas.microsoft.com/office/drawing/2010/main" val="0"/>
-              </a:ext>
-            </a:extLst>
-          </a:blip>
-          <a:srcRect/>
-          <a:stretch>
-            <a:fillRect/>
-          </a:stretch>
-        </p:blipFill>
-        <p:spPr bwMode="auto">
-          <a:xfrm>
-            <a:off x="1140138" y="1458784"/>
-            <a:ext cx="517863" cy="517863"/>
-          </a:xfrm>
-          <a:prstGeom prst="rect">
-            <a:avLst/>
-          </a:prstGeom>
-          <a:noFill/>
-          <a:extLst>
-            <a:ext uri="{909E8E84-426E-40DD-AFC4-6F175D3DCCD1}">
-              <a14:hiddenFill xmlns:a14="http://schemas.microsoft.com/office/drawing/2010/main">
-                <a:solidFill>
-                  <a:srgbClr val="FFFFFF"/>
-                </a:solidFill>
-              </a14:hiddenFill>
-            </a:ext>
-          </a:extLst>
-        </p:spPr>
-      </p:pic>
+              <a:rPr lang="en-US" altLang="ja-JP" sz="1050" dirty="0"/>
+              <a:t>http://localhost:3000</a:t>
+            </a:r>
+            <a:endParaRPr kumimoji="1" lang="ja-JP" altLang="en-US" sz="1050" dirty="0"/>
+          </a:p>
+        </p:txBody>
+      </p:sp>
       <p:cxnSp>
         <p:nvCxnSpPr>
-          <p:cNvPr id="1091" name="Straight Arrow Connector 1090">
-            <a:extLst>
-              <a:ext uri="{FF2B5EF4-FFF2-40B4-BE49-F238E27FC236}">
-                <a16:creationId xmlns:a16="http://schemas.microsoft.com/office/drawing/2014/main" id="{FB6C3BF0-4523-BDF7-31EA-860E2464DE6C}"/>
+          <p:cNvPr id="41" name="Straight Arrow Connector 1044">
+            <a:extLst>
+              <a:ext uri="{FF2B5EF4-FFF2-40B4-BE49-F238E27FC236}">
+                <a16:creationId xmlns:a16="http://schemas.microsoft.com/office/drawing/2014/main" id="{564E74B5-8746-5AE9-F5E5-629724952362}"/>
               </a:ext>
             </a:extLst>
           </p:cNvPr>
           <p:cNvCxnSpPr>
             <a:cxnSpLocks/>
-            <a:stCxn id="1090" idx="2"/>
-            <a:endCxn id="4" idx="0"/>
+            <a:stCxn id="5" idx="2"/>
+            <a:endCxn id="14" idx="0"/>
           </p:cNvCxnSpPr>
           <p:nvPr/>
         </p:nvCxnSpPr>
         <p:spPr>
-          <a:xfrm flipH="1">
-            <a:off x="1392767" y="1976647"/>
-            <a:ext cx="6303" cy="865584"/>
+          <a:xfrm>
+            <a:off x="6612466" y="3031913"/>
+            <a:ext cx="0" cy="1622511"/>
           </a:xfrm>
           <a:prstGeom prst="straightConnector1">
             <a:avLst/>
           </a:prstGeom>
           <a:ln w="19050">
+            <a:solidFill>
+              <a:srgbClr val="F117C2"/>
+            </a:solidFill>
             <a:tailEnd type="triangle"/>
           </a:ln>
         </p:spPr>
@@ -6330,46 +6166,55 @@
           </a:fontRef>
         </p:style>
       </p:cxnSp>
-      <p:sp>
-        <p:nvSpPr>
-          <p:cNvPr id="1092" name="TextBox 1091">
-            <a:extLst>
-              <a:ext uri="{FF2B5EF4-FFF2-40B4-BE49-F238E27FC236}">
-                <a16:creationId xmlns:a16="http://schemas.microsoft.com/office/drawing/2014/main" id="{269ECC2F-5865-0C03-F88D-D2E0AC503ADD}"/>
-              </a:ext>
-            </a:extLst>
-          </p:cNvPr>
-          <p:cNvSpPr txBox="1"/>
-          <p:nvPr/>
-        </p:nvSpPr>
-        <p:spPr>
-          <a:xfrm>
-            <a:off x="638394" y="1129719"/>
-            <a:ext cx="1508746" cy="253916"/>
-          </a:xfrm>
-          <a:prstGeom prst="rect">
-            <a:avLst/>
-          </a:prstGeom>
-          <a:noFill/>
-        </p:spPr>
-        <p:txBody>
-          <a:bodyPr wrap="none" rtlCol="0">
-            <a:spAutoFit/>
-          </a:bodyPr>
-          <a:lstStyle/>
-          <a:p>
-            <a:r>
-              <a:rPr lang="en-US" altLang="ja-JP" sz="1050" dirty="0"/>
-              <a:t>http://localhost:3000</a:t>
-            </a:r>
-            <a:endParaRPr kumimoji="1" lang="ja-JP" altLang="en-US" sz="1050" dirty="0"/>
-          </a:p>
-        </p:txBody>
-      </p:sp>
+      <p:cxnSp>
+        <p:nvCxnSpPr>
+          <p:cNvPr id="48" name="Connector: Elbow 23">
+            <a:extLst>
+              <a:ext uri="{FF2B5EF4-FFF2-40B4-BE49-F238E27FC236}">
+                <a16:creationId xmlns:a16="http://schemas.microsoft.com/office/drawing/2014/main" id="{C4D22BD7-4212-117C-A4BD-90E39E7A643B}"/>
+              </a:ext>
+            </a:extLst>
+          </p:cNvPr>
+          <p:cNvCxnSpPr>
+            <a:cxnSpLocks/>
+            <a:stCxn id="14" idx="3"/>
+            <a:endCxn id="8" idx="1"/>
+          </p:cNvCxnSpPr>
+          <p:nvPr/>
+        </p:nvCxnSpPr>
+        <p:spPr>
+          <a:xfrm flipV="1">
+            <a:off x="7446433" y="3418313"/>
+            <a:ext cx="2057399" cy="1756811"/>
+          </a:xfrm>
+          <a:prstGeom prst="bentConnector3">
+            <a:avLst>
+              <a:gd name="adj1" fmla="val 50000"/>
+            </a:avLst>
+          </a:prstGeom>
+          <a:ln w="19050">
+            <a:tailEnd type="triangle"/>
+          </a:ln>
+        </p:spPr>
+        <p:style>
+          <a:lnRef idx="1">
+            <a:schemeClr val="accent1"/>
+          </a:lnRef>
+          <a:fillRef idx="0">
+            <a:schemeClr val="accent1"/>
+          </a:fillRef>
+          <a:effectRef idx="0">
+            <a:schemeClr val="accent1"/>
+          </a:effectRef>
+          <a:fontRef idx="minor">
+            <a:schemeClr val="tx1"/>
+          </a:fontRef>
+        </p:style>
+      </p:cxnSp>
     </p:spTree>
     <p:extLst>
       <p:ext uri="{BB962C8B-B14F-4D97-AF65-F5344CB8AC3E}">
-        <p14:creationId xmlns:p14="http://schemas.microsoft.com/office/powerpoint/2010/main" val="337783628"/>
+        <p14:creationId xmlns:p14="http://schemas.microsoft.com/office/powerpoint/2010/main" val="1213679242"/>
       </p:ext>
     </p:extLst>
   </p:cSld>
@@ -6601,7 +6446,7 @@
                   <a:schemeClr val="tx1"/>
                 </a:solidFill>
               </a:rPr>
-              <a:t> entity</a:t>
+              <a:t> entity (model)</a:t>
             </a:r>
             <a:endParaRPr kumimoji="1" lang="ja-JP" altLang="en-US" sz="1050" dirty="0">
               <a:solidFill>
@@ -6785,14 +6630,13 @@
           <a:bodyPr rtlCol="0" anchor="ctr"/>
           <a:lstStyle/>
           <a:p>
-            <a:pPr algn="ctr"/>
             <a:r>
               <a:rPr lang="en-US" altLang="ja-JP" sz="1050" dirty="0">
                 <a:solidFill>
                   <a:schemeClr val="tx1"/>
                 </a:solidFill>
               </a:rPr>
-              <a:t>3. Set table permission</a:t>
+              <a:t>3.1-a Set table permission</a:t>
             </a:r>
             <a:endParaRPr kumimoji="1" lang="ja-JP" altLang="en-US" sz="1050" dirty="0">
               <a:solidFill>
@@ -6876,12 +6720,8 @@
           <a:lstStyle/>
           <a:p>
             <a:r>
-              <a:rPr kumimoji="1" lang="en-US" altLang="ja-JP" sz="1000" dirty="0" err="1"/>
-              <a:t>Hasura</a:t>
-            </a:r>
-            <a:r>
               <a:rPr kumimoji="1" lang="en-US" altLang="ja-JP" sz="1000" dirty="0"/>
-              <a:t> buil</a:t>
+              <a:t>Buil</a:t>
             </a:r>
             <a:r>
               <a:rPr lang="en-US" altLang="ja-JP" sz="1000" dirty="0"/>
@@ -6937,14 +6777,13 @@
           <a:bodyPr rtlCol="0" anchor="ctr"/>
           <a:lstStyle/>
           <a:p>
-            <a:pPr algn="ctr"/>
             <a:r>
               <a:rPr lang="en-US" altLang="ja-JP" sz="1050" dirty="0">
                 <a:solidFill>
                   <a:schemeClr val="tx1"/>
                 </a:solidFill>
               </a:rPr>
-              <a:t>3. Set remote schema permission</a:t>
+              <a:t>3.2-a Set remote schema permission</a:t>
             </a:r>
             <a:endParaRPr kumimoji="1" lang="ja-JP" altLang="en-US" sz="1050" dirty="0">
               <a:solidFill>
@@ -7094,7 +6933,7 @@
         </p:nvSpPr>
         <p:spPr>
           <a:xfrm>
-            <a:off x="9000040" y="3020316"/>
+            <a:off x="10070417" y="3538299"/>
             <a:ext cx="1693333" cy="767265"/>
           </a:xfrm>
           <a:prstGeom prst="rect">
@@ -7129,7 +6968,23 @@
                   <a:schemeClr val="tx1"/>
                 </a:solidFill>
               </a:rPr>
-              <a:t>5. Using in </a:t>
+              <a:t>5. Define </a:t>
+            </a:r>
+            <a:r>
+              <a:rPr lang="en-US" altLang="ja-JP" sz="1050" dirty="0" err="1">
+                <a:solidFill>
+                  <a:schemeClr val="tx1"/>
+                </a:solidFill>
+              </a:rPr>
+              <a:t>gql</a:t>
+            </a:r>
+            <a:r>
+              <a:rPr lang="en-US" altLang="ja-JP" sz="1050" dirty="0">
+                <a:solidFill>
+                  <a:schemeClr val="tx1"/>
+                </a:solidFill>
+              </a:rPr>
+              <a:t> in </a:t>
             </a:r>
             <a:r>
               <a:rPr lang="en-US" altLang="ja-JP" sz="1050" dirty="0" err="1">
@@ -7174,7 +7029,7 @@
         </p:blipFill>
         <p:spPr bwMode="auto">
           <a:xfrm>
-            <a:off x="9084707" y="3551527"/>
+            <a:off x="10155084" y="4069510"/>
             <a:ext cx="357030" cy="217502"/>
           </a:xfrm>
           <a:prstGeom prst="rect">
@@ -7203,20 +7058,18 @@
           </p:cNvPr>
           <p:cNvCxnSpPr>
             <a:cxnSpLocks/>
-            <a:stCxn id="16" idx="3"/>
+            <a:stCxn id="2" idx="2"/>
             <a:endCxn id="39" idx="1"/>
           </p:cNvCxnSpPr>
           <p:nvPr/>
         </p:nvCxnSpPr>
         <p:spPr>
-          <a:xfrm>
-            <a:off x="8246506" y="2508322"/>
-            <a:ext cx="753534" cy="895627"/>
-          </a:xfrm>
-          <a:prstGeom prst="bentConnector3">
-            <a:avLst>
-              <a:gd name="adj1" fmla="val 50000"/>
-            </a:avLst>
+          <a:xfrm rot="16200000" flipH="1">
+            <a:off x="9350057" y="3201571"/>
+            <a:ext cx="1035751" cy="404969"/>
+          </a:xfrm>
+          <a:prstGeom prst="bentConnector2">
+            <a:avLst/>
           </a:prstGeom>
           <a:ln w="19050">
             <a:tailEnd type="triangle"/>
@@ -7255,8 +7108,8 @@
         </p:nvCxnSpPr>
         <p:spPr>
           <a:xfrm flipV="1">
-            <a:off x="8246506" y="3403949"/>
-            <a:ext cx="753534" cy="945730"/>
+            <a:off x="8246506" y="3921932"/>
+            <a:ext cx="1823911" cy="427747"/>
           </a:xfrm>
           <a:prstGeom prst="bentConnector3">
             <a:avLst>
@@ -7331,7 +7184,7 @@
                   <a:schemeClr val="tx1"/>
                 </a:solidFill>
               </a:rPr>
-              <a:t>3.1 Create resolver (define queries and mutations)</a:t>
+              <a:t>3.2-b Create resolver (define queries and mutations)</a:t>
             </a:r>
             <a:endParaRPr kumimoji="1" lang="ja-JP" altLang="en-US" sz="1050" dirty="0">
               <a:solidFill>
@@ -7559,7 +7412,7 @@
                   <a:schemeClr val="tx1"/>
                 </a:solidFill>
               </a:rPr>
-              <a:t>3.1 Track tables</a:t>
+              <a:t>3.1-b Track tables</a:t>
             </a:r>
             <a:endParaRPr kumimoji="1" lang="ja-JP" altLang="en-US" sz="1050" dirty="0">
               <a:solidFill>
@@ -7718,6 +7571,463 @@
             <a:avLst>
               <a:gd name="adj1" fmla="val -22860000000"/>
             </a:avLst>
+          </a:prstGeom>
+          <a:ln w="19050">
+            <a:tailEnd type="triangle"/>
+          </a:ln>
+        </p:spPr>
+        <p:style>
+          <a:lnRef idx="1">
+            <a:schemeClr val="accent1"/>
+          </a:lnRef>
+          <a:fillRef idx="0">
+            <a:schemeClr val="accent1"/>
+          </a:fillRef>
+          <a:effectRef idx="0">
+            <a:schemeClr val="accent1"/>
+          </a:effectRef>
+          <a:fontRef idx="minor">
+            <a:schemeClr val="tx1"/>
+          </a:fontRef>
+        </p:style>
+      </p:cxnSp>
+      <p:sp>
+        <p:nvSpPr>
+          <p:cNvPr id="2" name="Rectangle 28">
+            <a:extLst>
+              <a:ext uri="{FF2B5EF4-FFF2-40B4-BE49-F238E27FC236}">
+                <a16:creationId xmlns:a16="http://schemas.microsoft.com/office/drawing/2014/main" id="{2FE09E3C-32CF-63FB-D0AB-6B6C98BA6122}"/>
+              </a:ext>
+            </a:extLst>
+          </p:cNvPr>
+          <p:cNvSpPr/>
+          <p:nvPr/>
+        </p:nvSpPr>
+        <p:spPr>
+          <a:xfrm>
+            <a:off x="8818781" y="2118916"/>
+            <a:ext cx="1693333" cy="767265"/>
+          </a:xfrm>
+          <a:prstGeom prst="rect">
+            <a:avLst/>
+          </a:prstGeom>
+          <a:noFill/>
+        </p:spPr>
+        <p:style>
+          <a:lnRef idx="2">
+            <a:schemeClr val="accent1">
+              <a:shade val="15000"/>
+            </a:schemeClr>
+          </a:lnRef>
+          <a:fillRef idx="1">
+            <a:schemeClr val="accent1"/>
+          </a:fillRef>
+          <a:effectRef idx="0">
+            <a:schemeClr val="accent1"/>
+          </a:effectRef>
+          <a:fontRef idx="minor">
+            <a:schemeClr val="lt1"/>
+          </a:fontRef>
+        </p:style>
+        <p:txBody>
+          <a:bodyPr rtlCol="0" anchor="ctr"/>
+          <a:lstStyle/>
+          <a:p>
+            <a:pPr algn="ctr"/>
+            <a:r>
+              <a:rPr lang="en-US" altLang="ja-JP" sz="1050" dirty="0">
+                <a:solidFill>
+                  <a:schemeClr val="tx1"/>
+                </a:solidFill>
+              </a:rPr>
+              <a:t>4. Set </a:t>
+            </a:r>
+            <a:r>
+              <a:rPr lang="en-US" altLang="ja-JP" sz="1050" dirty="0" err="1">
+                <a:solidFill>
+                  <a:schemeClr val="tx1"/>
+                </a:solidFill>
+              </a:rPr>
+              <a:t>tablepermission</a:t>
+            </a:r>
+            <a:endParaRPr kumimoji="1" lang="ja-JP" altLang="en-US" sz="1050" dirty="0">
+              <a:solidFill>
+                <a:schemeClr val="tx1"/>
+              </a:solidFill>
+            </a:endParaRPr>
+          </a:p>
+        </p:txBody>
+      </p:sp>
+      <p:pic>
+        <p:nvPicPr>
+          <p:cNvPr id="3" name="Picture 29">
+            <a:extLst>
+              <a:ext uri="{FF2B5EF4-FFF2-40B4-BE49-F238E27FC236}">
+                <a16:creationId xmlns:a16="http://schemas.microsoft.com/office/drawing/2014/main" id="{7CA98E95-B31B-47BE-AB81-CCA48C3C5EE8}"/>
+              </a:ext>
+            </a:extLst>
+          </p:cNvPr>
+          <p:cNvPicPr>
+            <a:picLocks noChangeAspect="1" noChangeArrowheads="1"/>
+          </p:cNvPicPr>
+          <p:nvPr/>
+        </p:nvPicPr>
+        <p:blipFill>
+          <a:blip r:embed="rId2">
+            <a:extLst>
+              <a:ext uri="{28A0092B-C50C-407E-A947-70E740481C1C}">
+                <a14:useLocalDpi xmlns:a14="http://schemas.microsoft.com/office/drawing/2010/main" val="0"/>
+              </a:ext>
+            </a:extLst>
+          </a:blip>
+          <a:srcRect/>
+          <a:stretch/>
+        </p:blipFill>
+        <p:spPr bwMode="auto">
+          <a:xfrm>
+            <a:off x="8904453" y="2681362"/>
+            <a:ext cx="490061" cy="145552"/>
+          </a:xfrm>
+          <a:prstGeom prst="rect">
+            <a:avLst/>
+          </a:prstGeom>
+          <a:noFill/>
+          <a:extLst>
+            <a:ext uri="{909E8E84-426E-40DD-AFC4-6F175D3DCCD1}">
+              <a14:hiddenFill xmlns:a14="http://schemas.microsoft.com/office/drawing/2010/main">
+                <a:solidFill>
+                  <a:srgbClr val="FFFFFF"/>
+                </a:solidFill>
+              </a14:hiddenFill>
+            </a:ext>
+          </a:extLst>
+        </p:spPr>
+      </p:pic>
+      <p:cxnSp>
+        <p:nvCxnSpPr>
+          <p:cNvPr id="20" name="Straight Arrow Connector 69">
+            <a:extLst>
+              <a:ext uri="{FF2B5EF4-FFF2-40B4-BE49-F238E27FC236}">
+                <a16:creationId xmlns:a16="http://schemas.microsoft.com/office/drawing/2014/main" id="{9EE83572-B8DC-4A13-872B-07C115EE1DB8}"/>
+              </a:ext>
+            </a:extLst>
+          </p:cNvPr>
+          <p:cNvCxnSpPr>
+            <a:cxnSpLocks/>
+            <a:stCxn id="16" idx="3"/>
+            <a:endCxn id="2" idx="1"/>
+          </p:cNvCxnSpPr>
+          <p:nvPr/>
+        </p:nvCxnSpPr>
+        <p:spPr>
+          <a:xfrm flipV="1">
+            <a:off x="8246506" y="2502549"/>
+            <a:ext cx="572275" cy="5773"/>
+          </a:xfrm>
+          <a:prstGeom prst="straightConnector1">
+            <a:avLst/>
+          </a:prstGeom>
+          <a:ln w="19050">
+            <a:tailEnd type="triangle"/>
+          </a:ln>
+        </p:spPr>
+        <p:style>
+          <a:lnRef idx="1">
+            <a:schemeClr val="accent1"/>
+          </a:lnRef>
+          <a:fillRef idx="0">
+            <a:schemeClr val="accent1"/>
+          </a:fillRef>
+          <a:effectRef idx="0">
+            <a:schemeClr val="accent1"/>
+          </a:effectRef>
+          <a:fontRef idx="minor">
+            <a:schemeClr val="tx1"/>
+          </a:fontRef>
+        </p:style>
+      </p:cxnSp>
+      <p:sp>
+        <p:nvSpPr>
+          <p:cNvPr id="27" name="Rectangle 38">
+            <a:extLst>
+              <a:ext uri="{FF2B5EF4-FFF2-40B4-BE49-F238E27FC236}">
+                <a16:creationId xmlns:a16="http://schemas.microsoft.com/office/drawing/2014/main" id="{373E50A9-338D-7E66-00F6-E354AA719B1A}"/>
+              </a:ext>
+            </a:extLst>
+          </p:cNvPr>
+          <p:cNvSpPr/>
+          <p:nvPr/>
+        </p:nvSpPr>
+        <p:spPr>
+          <a:xfrm>
+            <a:off x="10078026" y="4733311"/>
+            <a:ext cx="1693333" cy="767265"/>
+          </a:xfrm>
+          <a:prstGeom prst="rect">
+            <a:avLst/>
+          </a:prstGeom>
+          <a:noFill/>
+        </p:spPr>
+        <p:style>
+          <a:lnRef idx="2">
+            <a:schemeClr val="accent1">
+              <a:shade val="15000"/>
+            </a:schemeClr>
+          </a:lnRef>
+          <a:fillRef idx="1">
+            <a:schemeClr val="accent1"/>
+          </a:fillRef>
+          <a:effectRef idx="0">
+            <a:schemeClr val="accent1"/>
+          </a:effectRef>
+          <a:fontRef idx="minor">
+            <a:schemeClr val="lt1"/>
+          </a:fontRef>
+        </p:style>
+        <p:txBody>
+          <a:bodyPr rtlCol="0" anchor="ctr"/>
+          <a:lstStyle/>
+          <a:p>
+            <a:pPr algn="ctr"/>
+            <a:r>
+              <a:rPr lang="en-US" altLang="ja-JP" sz="1050" dirty="0">
+                <a:solidFill>
+                  <a:schemeClr val="tx1"/>
+                </a:solidFill>
+              </a:rPr>
+              <a:t>6. Run </a:t>
+            </a:r>
+            <a:r>
+              <a:rPr lang="en-US" altLang="ja-JP" sz="1050" dirty="0" err="1">
+                <a:solidFill>
+                  <a:schemeClr val="tx1"/>
+                </a:solidFill>
+              </a:rPr>
+              <a:t>graphql-codegen</a:t>
+            </a:r>
+            <a:endParaRPr kumimoji="1" lang="ja-JP" altLang="en-US" sz="1050" dirty="0">
+              <a:solidFill>
+                <a:schemeClr val="tx1"/>
+              </a:solidFill>
+            </a:endParaRPr>
+          </a:p>
+        </p:txBody>
+      </p:sp>
+      <p:pic>
+        <p:nvPicPr>
+          <p:cNvPr id="28" name="Picture 39">
+            <a:extLst>
+              <a:ext uri="{FF2B5EF4-FFF2-40B4-BE49-F238E27FC236}">
+                <a16:creationId xmlns:a16="http://schemas.microsoft.com/office/drawing/2014/main" id="{71F4CF0C-38A4-45B5-5A0B-2738C8925D3D}"/>
+              </a:ext>
+            </a:extLst>
+          </p:cNvPr>
+          <p:cNvPicPr>
+            <a:picLocks noChangeAspect="1" noChangeArrowheads="1"/>
+          </p:cNvPicPr>
+          <p:nvPr/>
+        </p:nvPicPr>
+        <p:blipFill>
+          <a:blip r:embed="rId4">
+            <a:extLst>
+              <a:ext uri="{28A0092B-C50C-407E-A947-70E740481C1C}">
+                <a14:useLocalDpi xmlns:a14="http://schemas.microsoft.com/office/drawing/2010/main" val="0"/>
+              </a:ext>
+            </a:extLst>
+          </a:blip>
+          <a:srcRect/>
+          <a:stretch/>
+        </p:blipFill>
+        <p:spPr bwMode="auto">
+          <a:xfrm>
+            <a:off x="10162693" y="5264522"/>
+            <a:ext cx="357030" cy="217502"/>
+          </a:xfrm>
+          <a:prstGeom prst="rect">
+            <a:avLst/>
+          </a:prstGeom>
+          <a:noFill/>
+          <a:extLst>
+            <a:ext uri="{909E8E84-426E-40DD-AFC4-6F175D3DCCD1}">
+              <a14:hiddenFill xmlns:a14="http://schemas.microsoft.com/office/drawing/2010/main">
+                <a:solidFill>
+                  <a:srgbClr val="FFFFFF"/>
+                </a:solidFill>
+              </a14:hiddenFill>
+            </a:ext>
+          </a:extLst>
+        </p:spPr>
+      </p:pic>
+      <p:cxnSp>
+        <p:nvCxnSpPr>
+          <p:cNvPr id="32" name="Straight Arrow Connector 69">
+            <a:extLst>
+              <a:ext uri="{FF2B5EF4-FFF2-40B4-BE49-F238E27FC236}">
+                <a16:creationId xmlns:a16="http://schemas.microsoft.com/office/drawing/2014/main" id="{216308B3-D741-D24E-AE50-56415741389B}"/>
+              </a:ext>
+            </a:extLst>
+          </p:cNvPr>
+          <p:cNvCxnSpPr>
+            <a:cxnSpLocks/>
+            <a:stCxn id="39" idx="2"/>
+            <a:endCxn id="27" idx="0"/>
+          </p:cNvCxnSpPr>
+          <p:nvPr/>
+        </p:nvCxnSpPr>
+        <p:spPr>
+          <a:xfrm>
+            <a:off x="10917084" y="4305564"/>
+            <a:ext cx="7609" cy="427747"/>
+          </a:xfrm>
+          <a:prstGeom prst="straightConnector1">
+            <a:avLst/>
+          </a:prstGeom>
+          <a:ln w="19050">
+            <a:tailEnd type="triangle"/>
+          </a:ln>
+        </p:spPr>
+        <p:style>
+          <a:lnRef idx="1">
+            <a:schemeClr val="accent1"/>
+          </a:lnRef>
+          <a:fillRef idx="0">
+            <a:schemeClr val="accent1"/>
+          </a:fillRef>
+          <a:effectRef idx="0">
+            <a:schemeClr val="accent1"/>
+          </a:effectRef>
+          <a:fontRef idx="minor">
+            <a:schemeClr val="tx1"/>
+          </a:fontRef>
+        </p:style>
+      </p:cxnSp>
+      <p:sp>
+        <p:nvSpPr>
+          <p:cNvPr id="35" name="Rectangle 38">
+            <a:extLst>
+              <a:ext uri="{FF2B5EF4-FFF2-40B4-BE49-F238E27FC236}">
+                <a16:creationId xmlns:a16="http://schemas.microsoft.com/office/drawing/2014/main" id="{878A204B-BBF2-89E1-FDC5-D2433000B00E}"/>
+              </a:ext>
+            </a:extLst>
+          </p:cNvPr>
+          <p:cNvSpPr/>
+          <p:nvPr/>
+        </p:nvSpPr>
+        <p:spPr>
+          <a:xfrm>
+            <a:off x="10078026" y="5928323"/>
+            <a:ext cx="1693333" cy="767265"/>
+          </a:xfrm>
+          <a:prstGeom prst="rect">
+            <a:avLst/>
+          </a:prstGeom>
+          <a:noFill/>
+        </p:spPr>
+        <p:style>
+          <a:lnRef idx="2">
+            <a:schemeClr val="accent1">
+              <a:shade val="15000"/>
+            </a:schemeClr>
+          </a:lnRef>
+          <a:fillRef idx="1">
+            <a:schemeClr val="accent1"/>
+          </a:fillRef>
+          <a:effectRef idx="0">
+            <a:schemeClr val="accent1"/>
+          </a:effectRef>
+          <a:fontRef idx="minor">
+            <a:schemeClr val="lt1"/>
+          </a:fontRef>
+        </p:style>
+        <p:txBody>
+          <a:bodyPr rtlCol="0" anchor="ctr"/>
+          <a:lstStyle/>
+          <a:p>
+            <a:pPr algn="ctr"/>
+            <a:r>
+              <a:rPr lang="en-US" altLang="ja-JP" sz="1050" dirty="0">
+                <a:solidFill>
+                  <a:schemeClr val="tx1"/>
+                </a:solidFill>
+              </a:rPr>
+              <a:t>7. Call query, mutation (like call API)</a:t>
+            </a:r>
+            <a:endParaRPr kumimoji="1" lang="ja-JP" altLang="en-US" sz="1050" dirty="0">
+              <a:solidFill>
+                <a:schemeClr val="tx1"/>
+              </a:solidFill>
+            </a:endParaRPr>
+          </a:p>
+        </p:txBody>
+      </p:sp>
+      <p:pic>
+        <p:nvPicPr>
+          <p:cNvPr id="36" name="Picture 39">
+            <a:extLst>
+              <a:ext uri="{FF2B5EF4-FFF2-40B4-BE49-F238E27FC236}">
+                <a16:creationId xmlns:a16="http://schemas.microsoft.com/office/drawing/2014/main" id="{532B9029-38AF-0830-5746-F6D3B3FF51FC}"/>
+              </a:ext>
+            </a:extLst>
+          </p:cNvPr>
+          <p:cNvPicPr>
+            <a:picLocks noChangeAspect="1" noChangeArrowheads="1"/>
+          </p:cNvPicPr>
+          <p:nvPr/>
+        </p:nvPicPr>
+        <p:blipFill>
+          <a:blip r:embed="rId4">
+            <a:extLst>
+              <a:ext uri="{28A0092B-C50C-407E-A947-70E740481C1C}">
+                <a14:useLocalDpi xmlns:a14="http://schemas.microsoft.com/office/drawing/2010/main" val="0"/>
+              </a:ext>
+            </a:extLst>
+          </a:blip>
+          <a:srcRect/>
+          <a:stretch/>
+        </p:blipFill>
+        <p:spPr bwMode="auto">
+          <a:xfrm>
+            <a:off x="10162693" y="6459534"/>
+            <a:ext cx="357030" cy="217502"/>
+          </a:xfrm>
+          <a:prstGeom prst="rect">
+            <a:avLst/>
+          </a:prstGeom>
+          <a:noFill/>
+          <a:extLst>
+            <a:ext uri="{909E8E84-426E-40DD-AFC4-6F175D3DCCD1}">
+              <a14:hiddenFill xmlns:a14="http://schemas.microsoft.com/office/drawing/2010/main">
+                <a:solidFill>
+                  <a:srgbClr val="FFFFFF"/>
+                </a:solidFill>
+              </a14:hiddenFill>
+            </a:ext>
+          </a:extLst>
+        </p:spPr>
+      </p:pic>
+      <p:cxnSp>
+        <p:nvCxnSpPr>
+          <p:cNvPr id="37" name="Straight Arrow Connector 69">
+            <a:extLst>
+              <a:ext uri="{FF2B5EF4-FFF2-40B4-BE49-F238E27FC236}">
+                <a16:creationId xmlns:a16="http://schemas.microsoft.com/office/drawing/2014/main" id="{046A66FF-A520-1C7B-4300-E9AF90927FC5}"/>
+              </a:ext>
+            </a:extLst>
+          </p:cNvPr>
+          <p:cNvCxnSpPr>
+            <a:cxnSpLocks/>
+            <a:stCxn id="27" idx="2"/>
+            <a:endCxn id="35" idx="0"/>
+          </p:cNvCxnSpPr>
+          <p:nvPr/>
+        </p:nvCxnSpPr>
+        <p:spPr>
+          <a:xfrm>
+            <a:off x="10924693" y="5500576"/>
+            <a:ext cx="0" cy="427747"/>
+          </a:xfrm>
+          <a:prstGeom prst="straightConnector1">
+            <a:avLst/>
           </a:prstGeom>
           <a:ln w="19050">
             <a:tailEnd type="triangle"/>
